--- a/UML Diagram.pptx
+++ b/UML Diagram.pptx
@@ -1,19 +1,19 @@
 
 <file path=ppt/presentation.xml><?xml version="1.0" encoding="utf-8"?>
-<p:presentation xmlns:a="http://schemas.openxmlformats.org/drawingml/2006/main" xmlns:r="http://schemas.openxmlformats.org/officeDocument/2006/relationships" xmlns:mc="http://schemas.openxmlformats.org/markup-compatibility/2006" xmlns:mv="urn:schemas-microsoft-com:mac:vml" xmlns:p="http://schemas.openxmlformats.org/presentationml/2006/main" xmlns:c="http://schemas.openxmlformats.org/drawingml/2006/chart" xmlns:dgm="http://schemas.openxmlformats.org/drawingml/2006/diagram" xmlns:o="urn:schemas-microsoft-com:office:office" xmlns:v="urn:schemas-microsoft-com:vml" xmlns:pvml="urn:schemas-microsoft-com:office:powerpoint" xmlns:com="http://schemas.openxmlformats.org/drawingml/2006/compatibility" xmlns:p14="http://schemas.microsoft.com/office/powerpoint/2010/main" xmlns:p15="http://schemas.microsoft.com/office/powerpoint/2012/main" autoCompressPictures="0" strictFirstAndLastChars="0" saveSubsetFonts="1">
+<p:presentation xmlns:a="http://schemas.openxmlformats.org/drawingml/2006/main" xmlns:r="http://schemas.openxmlformats.org/officeDocument/2006/relationships" xmlns:p="http://schemas.openxmlformats.org/presentationml/2006/main" strictFirstAndLastChars="0" saveSubsetFonts="1" autoCompressPictures="0">
   <p:sldMasterIdLst>
-    <p:sldMasterId id="2147483659" r:id="rId4"/>
+    <p:sldMasterId id="2147483659" r:id="rId1"/>
   </p:sldMasterIdLst>
   <p:notesMasterIdLst>
-    <p:notesMasterId r:id="rId5"/>
+    <p:notesMasterId r:id="rId3"/>
   </p:notesMasterIdLst>
   <p:sldIdLst>
-    <p:sldId id="256" r:id="rId6"/>
+    <p:sldId id="256" r:id="rId2"/>
   </p:sldIdLst>
-  <p:sldSz cy="5143500" cx="9144000"/>
+  <p:sldSz cx="9144000" cy="5143500" type="screen16x9"/>
   <p:notesSz cx="6858000" cy="9144000"/>
   <p:defaultTextStyle>
-    <a:defPPr lvl="0" marR="0" rtl="0" algn="l">
+    <a:defPPr marR="0" lvl="0" algn="l" rtl="0">
       <a:lnSpc>
         <a:spcPct val="100000"/>
       </a:lnSpc>
@@ -24,7 +24,7 @@
         <a:spcPts val="0"/>
       </a:spcAft>
     </a:defPPr>
-    <a:lvl1pPr lvl="0" marR="0" rtl="0" algn="l">
+    <a:lvl1pPr marR="0" lvl="0" algn="l" rtl="0">
       <a:lnSpc>
         <a:spcPct val="100000"/>
       </a:lnSpc>
@@ -38,7 +38,7 @@
         <a:srgbClr val="000000"/>
       </a:buClr>
       <a:buFont typeface="Arial"/>
-      <a:defRPr b="0" i="0" sz="1400" u="none" cap="none" strike="noStrike">
+      <a:defRPr sz="1400" b="0" i="0" u="none" strike="noStrike" cap="none">
         <a:solidFill>
           <a:srgbClr val="000000"/>
         </a:solidFill>
@@ -48,7 +48,7 @@
         <a:sym typeface="Arial"/>
       </a:defRPr>
     </a:lvl1pPr>
-    <a:lvl2pPr lvl="1" marR="0" rtl="0" algn="l">
+    <a:lvl2pPr marR="0" lvl="1" algn="l" rtl="0">
       <a:lnSpc>
         <a:spcPct val="100000"/>
       </a:lnSpc>
@@ -62,7 +62,7 @@
         <a:srgbClr val="000000"/>
       </a:buClr>
       <a:buFont typeface="Arial"/>
-      <a:defRPr b="0" i="0" sz="1400" u="none" cap="none" strike="noStrike">
+      <a:defRPr sz="1400" b="0" i="0" u="none" strike="noStrike" cap="none">
         <a:solidFill>
           <a:srgbClr val="000000"/>
         </a:solidFill>
@@ -72,7 +72,7 @@
         <a:sym typeface="Arial"/>
       </a:defRPr>
     </a:lvl2pPr>
-    <a:lvl3pPr lvl="2" marR="0" rtl="0" algn="l">
+    <a:lvl3pPr marR="0" lvl="2" algn="l" rtl="0">
       <a:lnSpc>
         <a:spcPct val="100000"/>
       </a:lnSpc>
@@ -86,7 +86,7 @@
         <a:srgbClr val="000000"/>
       </a:buClr>
       <a:buFont typeface="Arial"/>
-      <a:defRPr b="0" i="0" sz="1400" u="none" cap="none" strike="noStrike">
+      <a:defRPr sz="1400" b="0" i="0" u="none" strike="noStrike" cap="none">
         <a:solidFill>
           <a:srgbClr val="000000"/>
         </a:solidFill>
@@ -96,7 +96,7 @@
         <a:sym typeface="Arial"/>
       </a:defRPr>
     </a:lvl3pPr>
-    <a:lvl4pPr lvl="3" marR="0" rtl="0" algn="l">
+    <a:lvl4pPr marR="0" lvl="3" algn="l" rtl="0">
       <a:lnSpc>
         <a:spcPct val="100000"/>
       </a:lnSpc>
@@ -110,7 +110,7 @@
         <a:srgbClr val="000000"/>
       </a:buClr>
       <a:buFont typeface="Arial"/>
-      <a:defRPr b="0" i="0" sz="1400" u="none" cap="none" strike="noStrike">
+      <a:defRPr sz="1400" b="0" i="0" u="none" strike="noStrike" cap="none">
         <a:solidFill>
           <a:srgbClr val="000000"/>
         </a:solidFill>
@@ -120,7 +120,7 @@
         <a:sym typeface="Arial"/>
       </a:defRPr>
     </a:lvl4pPr>
-    <a:lvl5pPr lvl="4" marR="0" rtl="0" algn="l">
+    <a:lvl5pPr marR="0" lvl="4" algn="l" rtl="0">
       <a:lnSpc>
         <a:spcPct val="100000"/>
       </a:lnSpc>
@@ -134,7 +134,7 @@
         <a:srgbClr val="000000"/>
       </a:buClr>
       <a:buFont typeface="Arial"/>
-      <a:defRPr b="0" i="0" sz="1400" u="none" cap="none" strike="noStrike">
+      <a:defRPr sz="1400" b="0" i="0" u="none" strike="noStrike" cap="none">
         <a:solidFill>
           <a:srgbClr val="000000"/>
         </a:solidFill>
@@ -144,7 +144,7 @@
         <a:sym typeface="Arial"/>
       </a:defRPr>
     </a:lvl5pPr>
-    <a:lvl6pPr lvl="5" marR="0" rtl="0" algn="l">
+    <a:lvl6pPr marR="0" lvl="5" algn="l" rtl="0">
       <a:lnSpc>
         <a:spcPct val="100000"/>
       </a:lnSpc>
@@ -158,7 +158,7 @@
         <a:srgbClr val="000000"/>
       </a:buClr>
       <a:buFont typeface="Arial"/>
-      <a:defRPr b="0" i="0" sz="1400" u="none" cap="none" strike="noStrike">
+      <a:defRPr sz="1400" b="0" i="0" u="none" strike="noStrike" cap="none">
         <a:solidFill>
           <a:srgbClr val="000000"/>
         </a:solidFill>
@@ -168,7 +168,7 @@
         <a:sym typeface="Arial"/>
       </a:defRPr>
     </a:lvl6pPr>
-    <a:lvl7pPr lvl="6" marR="0" rtl="0" algn="l">
+    <a:lvl7pPr marR="0" lvl="6" algn="l" rtl="0">
       <a:lnSpc>
         <a:spcPct val="100000"/>
       </a:lnSpc>
@@ -182,7 +182,7 @@
         <a:srgbClr val="000000"/>
       </a:buClr>
       <a:buFont typeface="Arial"/>
-      <a:defRPr b="0" i="0" sz="1400" u="none" cap="none" strike="noStrike">
+      <a:defRPr sz="1400" b="0" i="0" u="none" strike="noStrike" cap="none">
         <a:solidFill>
           <a:srgbClr val="000000"/>
         </a:solidFill>
@@ -192,7 +192,7 @@
         <a:sym typeface="Arial"/>
       </a:defRPr>
     </a:lvl7pPr>
-    <a:lvl8pPr lvl="7" marR="0" rtl="0" algn="l">
+    <a:lvl8pPr marR="0" lvl="7" algn="l" rtl="0">
       <a:lnSpc>
         <a:spcPct val="100000"/>
       </a:lnSpc>
@@ -206,7 +206,7 @@
         <a:srgbClr val="000000"/>
       </a:buClr>
       <a:buFont typeface="Arial"/>
-      <a:defRPr b="0" i="0" sz="1400" u="none" cap="none" strike="noStrike">
+      <a:defRPr sz="1400" b="0" i="0" u="none" strike="noStrike" cap="none">
         <a:solidFill>
           <a:srgbClr val="000000"/>
         </a:solidFill>
@@ -216,7 +216,7 @@
         <a:sym typeface="Arial"/>
       </a:defRPr>
     </a:lvl8pPr>
-    <a:lvl9pPr lvl="8" marR="0" rtl="0" algn="l">
+    <a:lvl9pPr marR="0" lvl="8" algn="l" rtl="0">
       <a:lnSpc>
         <a:spcPct val="100000"/>
       </a:lnSpc>
@@ -230,7 +230,7 @@
         <a:srgbClr val="000000"/>
       </a:buClr>
       <a:buFont typeface="Arial"/>
-      <a:defRPr b="0" i="0" sz="1400" u="none" cap="none" strike="noStrike">
+      <a:defRPr sz="1400" b="0" i="0" u="none" strike="noStrike" cap="none">
         <a:solidFill>
           <a:srgbClr val="000000"/>
         </a:solidFill>
@@ -243,7 +243,7 @@
   </p:defaultTextStyle>
   <p:extLst>
     <p:ext uri="{EFAFB233-063F-42B5-8137-9DF3F51BA10A}">
-      <p15:sldGuideLst>
+      <p15:sldGuideLst xmlns:p15="http://schemas.microsoft.com/office/powerpoint/2012/main">
         <p15:guide id="1" orient="horz" pos="1620">
           <p15:clr>
             <a:srgbClr val="A4A3A4"/>
@@ -261,11 +261,16 @@
 </file>
 
 <file path=ppt/notesMasters/notesMaster1.xml><?xml version="1.0" encoding="utf-8"?>
-<p:notesMaster xmlns:a="http://schemas.openxmlformats.org/drawingml/2006/main" xmlns:r="http://schemas.openxmlformats.org/officeDocument/2006/relationships" xmlns:mc="http://schemas.openxmlformats.org/markup-compatibility/2006" xmlns:mv="urn:schemas-microsoft-com:mac:vml" xmlns:p="http://schemas.openxmlformats.org/presentationml/2006/main" xmlns:c="http://schemas.openxmlformats.org/drawingml/2006/chart" xmlns:dgm="http://schemas.openxmlformats.org/drawingml/2006/diagram" xmlns:o="urn:schemas-microsoft-com:office:office" xmlns:v="urn:schemas-microsoft-com:vml" xmlns:pvml="urn:schemas-microsoft-com:office:powerpoint" xmlns:com="http://schemas.openxmlformats.org/drawingml/2006/compatibility" xmlns:p14="http://schemas.microsoft.com/office/powerpoint/2010/main" xmlns:p15="http://schemas.microsoft.com/office/powerpoint/2012/main">
+<p:notesMaster xmlns:a="http://schemas.openxmlformats.org/drawingml/2006/main" xmlns:r="http://schemas.openxmlformats.org/officeDocument/2006/relationships" xmlns:p="http://schemas.openxmlformats.org/presentationml/2006/main">
   <p:cSld>
+    <p:bg>
+      <p:bgRef idx="1001">
+        <a:schemeClr val="bg1"/>
+      </p:bgRef>
+    </p:bg>
     <p:spTree>
       <p:nvGrpSpPr>
-        <p:cNvPr id="2" name="Shape 2"/>
+        <p:cNvPr id="1" name="Shape 2"/>
         <p:cNvGrpSpPr/>
         <p:nvPr/>
       </p:nvGrpSpPr>
@@ -280,9 +285,11 @@
       <p:sp>
         <p:nvSpPr>
           <p:cNvPr id="3" name="Google Shape;3;n"/>
-          <p:cNvSpPr/>
+          <p:cNvSpPr>
+            <a:spLocks noGrp="1" noRot="1" noChangeAspect="1"/>
+          </p:cNvSpPr>
           <p:nvPr>
-            <p:ph idx="2" type="sldImg"/>
+            <p:ph type="sldImg" idx="2"/>
           </p:nvPr>
         </p:nvSpPr>
         <p:spPr>
@@ -291,9 +298,13 @@
             <a:ext cx="6096075" cy="3429000"/>
           </a:xfrm>
           <a:custGeom>
-            <a:rect b="b" l="l" r="r" t="t"/>
+            <a:avLst/>
+            <a:gdLst/>
+            <a:ahLst/>
+            <a:cxnLst/>
+            <a:rect l="l" t="t" r="r" b="b"/>
             <a:pathLst>
-              <a:path extrusionOk="0" h="120000" w="120000">
+              <a:path w="120000" h="120000" extrusionOk="0">
                 <a:moveTo>
                   <a:pt x="0" y="0"/>
                 </a:moveTo>
@@ -311,23 +322,25 @@
             </a:pathLst>
           </a:custGeom>
           <a:noFill/>
-          <a:ln cap="flat" cmpd="sng" w="9525">
+          <a:ln w="9525" cap="flat" cmpd="sng">
             <a:solidFill>
               <a:srgbClr val="000000"/>
             </a:solidFill>
             <a:prstDash val="solid"/>
             <a:round/>
-            <a:headEnd len="sm" w="sm" type="none"/>
-            <a:tailEnd len="sm" w="sm" type="none"/>
+            <a:headEnd type="none" w="sm" len="sm"/>
+            <a:tailEnd type="none" w="sm" len="sm"/>
           </a:ln>
         </p:spPr>
       </p:sp>
       <p:sp>
         <p:nvSpPr>
           <p:cNvPr id="4" name="Google Shape;4;n"/>
-          <p:cNvSpPr txBox="1"/>
+          <p:cNvSpPr txBox="1">
+            <a:spLocks noGrp="1"/>
+          </p:cNvSpPr>
           <p:nvPr>
-            <p:ph idx="1" type="body"/>
+            <p:ph type="body" idx="1"/>
           </p:nvPr>
         </p:nvSpPr>
         <p:spPr>
@@ -344,9 +357,9 @@
           </a:ln>
         </p:spPr>
         <p:txBody>
-          <a:bodyPr anchorCtr="0" anchor="t" bIns="91425" lIns="91425" spcFirstLastPara="1" rIns="91425" wrap="square" tIns="91425"/>
+          <a:bodyPr spcFirstLastPara="1" wrap="square" lIns="91425" tIns="91425" rIns="91425" bIns="91425" anchor="t" anchorCtr="0"/>
           <a:lstStyle>
-            <a:lvl1pPr indent="-298450" lvl="0" marL="457200">
+            <a:lvl1pPr marL="457200" lvl="0" indent="-298450">
               <a:spcBef>
                 <a:spcPts val="0"/>
               </a:spcBef>
@@ -357,7 +370,7 @@
               <a:buChar char="●"/>
               <a:defRPr sz="1100"/>
             </a:lvl1pPr>
-            <a:lvl2pPr indent="-298450" lvl="1" marL="914400">
+            <a:lvl2pPr marL="914400" lvl="1" indent="-298450">
               <a:spcBef>
                 <a:spcPts val="0"/>
               </a:spcBef>
@@ -368,7 +381,7 @@
               <a:buChar char="○"/>
               <a:defRPr sz="1100"/>
             </a:lvl2pPr>
-            <a:lvl3pPr indent="-298450" lvl="2" marL="1371600">
+            <a:lvl3pPr marL="1371600" lvl="2" indent="-298450">
               <a:spcBef>
                 <a:spcPts val="0"/>
               </a:spcBef>
@@ -379,7 +392,7 @@
               <a:buChar char="■"/>
               <a:defRPr sz="1100"/>
             </a:lvl3pPr>
-            <a:lvl4pPr indent="-298450" lvl="3" marL="1828800">
+            <a:lvl4pPr marL="1828800" lvl="3" indent="-298450">
               <a:spcBef>
                 <a:spcPts val="0"/>
               </a:spcBef>
@@ -390,7 +403,7 @@
               <a:buChar char="●"/>
               <a:defRPr sz="1100"/>
             </a:lvl4pPr>
-            <a:lvl5pPr indent="-298450" lvl="4" marL="2286000">
+            <a:lvl5pPr marL="2286000" lvl="4" indent="-298450">
               <a:spcBef>
                 <a:spcPts val="0"/>
               </a:spcBef>
@@ -401,7 +414,7 @@
               <a:buChar char="○"/>
               <a:defRPr sz="1100"/>
             </a:lvl5pPr>
-            <a:lvl6pPr indent="-298450" lvl="5" marL="2743200">
+            <a:lvl6pPr marL="2743200" lvl="5" indent="-298450">
               <a:spcBef>
                 <a:spcPts val="0"/>
               </a:spcBef>
@@ -412,7 +425,7 @@
               <a:buChar char="■"/>
               <a:defRPr sz="1100"/>
             </a:lvl6pPr>
-            <a:lvl7pPr indent="-298450" lvl="6" marL="3200400">
+            <a:lvl7pPr marL="3200400" lvl="6" indent="-298450">
               <a:spcBef>
                 <a:spcPts val="0"/>
               </a:spcBef>
@@ -423,7 +436,7 @@
               <a:buChar char="●"/>
               <a:defRPr sz="1100"/>
             </a:lvl7pPr>
-            <a:lvl8pPr indent="-298450" lvl="7" marL="3657600">
+            <a:lvl8pPr marL="3657600" lvl="7" indent="-298450">
               <a:spcBef>
                 <a:spcPts val="0"/>
               </a:spcBef>
@@ -434,7 +447,7 @@
               <a:buChar char="○"/>
               <a:defRPr sz="1100"/>
             </a:lvl8pPr>
-            <a:lvl9pPr indent="-298450" lvl="8" marL="4114800">
+            <a:lvl9pPr marL="4114800" lvl="8" indent="-298450">
               <a:spcBef>
                 <a:spcPts val="0"/>
               </a:spcBef>
@@ -446,14 +459,16 @@
               <a:defRPr sz="1100"/>
             </a:lvl9pPr>
           </a:lstStyle>
-          <a:p/>
+          <a:p>
+            <a:endParaRPr/>
+          </a:p>
         </p:txBody>
       </p:sp>
     </p:spTree>
   </p:cSld>
-  <p:clrMap accent1="accent1" accent2="accent2" accent3="accent3" accent4="accent4" accent5="accent5" accent6="accent6" bg1="lt1" bg2="dk2" tx1="dk1" tx2="lt2" folHlink="folHlink" hlink="hlink"/>
+  <p:clrMap bg1="lt1" tx1="dk1" bg2="dk2" tx2="lt2" accent1="accent1" accent2="accent2" accent3="accent3" accent4="accent4" accent5="accent5" accent6="accent6" hlink="hlink" folHlink="folHlink"/>
   <p:notesStyle>
-    <a:defPPr lvl="0" marR="0" rtl="0" algn="l">
+    <a:defPPr marR="0" lvl="0" algn="l" rtl="0">
       <a:lnSpc>
         <a:spcPct val="100000"/>
       </a:lnSpc>
@@ -464,7 +479,7 @@
         <a:spcPts val="0"/>
       </a:spcAft>
     </a:defPPr>
-    <a:lvl1pPr lvl="0" marR="0" rtl="0" algn="l">
+    <a:lvl1pPr marR="0" lvl="0" algn="l" rtl="0">
       <a:lnSpc>
         <a:spcPct val="100000"/>
       </a:lnSpc>
@@ -478,7 +493,7 @@
         <a:srgbClr val="000000"/>
       </a:buClr>
       <a:buFont typeface="Arial"/>
-      <a:defRPr b="0" i="0" sz="1400" u="none" cap="none" strike="noStrike">
+      <a:defRPr sz="1400" b="0" i="0" u="none" strike="noStrike" cap="none">
         <a:solidFill>
           <a:srgbClr val="000000"/>
         </a:solidFill>
@@ -488,7 +503,7 @@
         <a:sym typeface="Arial"/>
       </a:defRPr>
     </a:lvl1pPr>
-    <a:lvl2pPr lvl="1" marR="0" rtl="0" algn="l">
+    <a:lvl2pPr marR="0" lvl="1" algn="l" rtl="0">
       <a:lnSpc>
         <a:spcPct val="100000"/>
       </a:lnSpc>
@@ -502,7 +517,7 @@
         <a:srgbClr val="000000"/>
       </a:buClr>
       <a:buFont typeface="Arial"/>
-      <a:defRPr b="0" i="0" sz="1400" u="none" cap="none" strike="noStrike">
+      <a:defRPr sz="1400" b="0" i="0" u="none" strike="noStrike" cap="none">
         <a:solidFill>
           <a:srgbClr val="000000"/>
         </a:solidFill>
@@ -512,7 +527,7 @@
         <a:sym typeface="Arial"/>
       </a:defRPr>
     </a:lvl2pPr>
-    <a:lvl3pPr lvl="2" marR="0" rtl="0" algn="l">
+    <a:lvl3pPr marR="0" lvl="2" algn="l" rtl="0">
       <a:lnSpc>
         <a:spcPct val="100000"/>
       </a:lnSpc>
@@ -526,7 +541,7 @@
         <a:srgbClr val="000000"/>
       </a:buClr>
       <a:buFont typeface="Arial"/>
-      <a:defRPr b="0" i="0" sz="1400" u="none" cap="none" strike="noStrike">
+      <a:defRPr sz="1400" b="0" i="0" u="none" strike="noStrike" cap="none">
         <a:solidFill>
           <a:srgbClr val="000000"/>
         </a:solidFill>
@@ -536,7 +551,7 @@
         <a:sym typeface="Arial"/>
       </a:defRPr>
     </a:lvl3pPr>
-    <a:lvl4pPr lvl="3" marR="0" rtl="0" algn="l">
+    <a:lvl4pPr marR="0" lvl="3" algn="l" rtl="0">
       <a:lnSpc>
         <a:spcPct val="100000"/>
       </a:lnSpc>
@@ -550,7 +565,7 @@
         <a:srgbClr val="000000"/>
       </a:buClr>
       <a:buFont typeface="Arial"/>
-      <a:defRPr b="0" i="0" sz="1400" u="none" cap="none" strike="noStrike">
+      <a:defRPr sz="1400" b="0" i="0" u="none" strike="noStrike" cap="none">
         <a:solidFill>
           <a:srgbClr val="000000"/>
         </a:solidFill>
@@ -560,7 +575,7 @@
         <a:sym typeface="Arial"/>
       </a:defRPr>
     </a:lvl4pPr>
-    <a:lvl5pPr lvl="4" marR="0" rtl="0" algn="l">
+    <a:lvl5pPr marR="0" lvl="4" algn="l" rtl="0">
       <a:lnSpc>
         <a:spcPct val="100000"/>
       </a:lnSpc>
@@ -574,7 +589,7 @@
         <a:srgbClr val="000000"/>
       </a:buClr>
       <a:buFont typeface="Arial"/>
-      <a:defRPr b="0" i="0" sz="1400" u="none" cap="none" strike="noStrike">
+      <a:defRPr sz="1400" b="0" i="0" u="none" strike="noStrike" cap="none">
         <a:solidFill>
           <a:srgbClr val="000000"/>
         </a:solidFill>
@@ -584,7 +599,7 @@
         <a:sym typeface="Arial"/>
       </a:defRPr>
     </a:lvl5pPr>
-    <a:lvl6pPr lvl="5" marR="0" rtl="0" algn="l">
+    <a:lvl6pPr marR="0" lvl="5" algn="l" rtl="0">
       <a:lnSpc>
         <a:spcPct val="100000"/>
       </a:lnSpc>
@@ -598,7 +613,7 @@
         <a:srgbClr val="000000"/>
       </a:buClr>
       <a:buFont typeface="Arial"/>
-      <a:defRPr b="0" i="0" sz="1400" u="none" cap="none" strike="noStrike">
+      <a:defRPr sz="1400" b="0" i="0" u="none" strike="noStrike" cap="none">
         <a:solidFill>
           <a:srgbClr val="000000"/>
         </a:solidFill>
@@ -608,7 +623,7 @@
         <a:sym typeface="Arial"/>
       </a:defRPr>
     </a:lvl6pPr>
-    <a:lvl7pPr lvl="6" marR="0" rtl="0" algn="l">
+    <a:lvl7pPr marR="0" lvl="6" algn="l" rtl="0">
       <a:lnSpc>
         <a:spcPct val="100000"/>
       </a:lnSpc>
@@ -622,7 +637,7 @@
         <a:srgbClr val="000000"/>
       </a:buClr>
       <a:buFont typeface="Arial"/>
-      <a:defRPr b="0" i="0" sz="1400" u="none" cap="none" strike="noStrike">
+      <a:defRPr sz="1400" b="0" i="0" u="none" strike="noStrike" cap="none">
         <a:solidFill>
           <a:srgbClr val="000000"/>
         </a:solidFill>
@@ -632,7 +647,7 @@
         <a:sym typeface="Arial"/>
       </a:defRPr>
     </a:lvl7pPr>
-    <a:lvl8pPr lvl="7" marR="0" rtl="0" algn="l">
+    <a:lvl8pPr marR="0" lvl="7" algn="l" rtl="0">
       <a:lnSpc>
         <a:spcPct val="100000"/>
       </a:lnSpc>
@@ -646,7 +661,7 @@
         <a:srgbClr val="000000"/>
       </a:buClr>
       <a:buFont typeface="Arial"/>
-      <a:defRPr b="0" i="0" sz="1400" u="none" cap="none" strike="noStrike">
+      <a:defRPr sz="1400" b="0" i="0" u="none" strike="noStrike" cap="none">
         <a:solidFill>
           <a:srgbClr val="000000"/>
         </a:solidFill>
@@ -656,7 +671,7 @@
         <a:sym typeface="Arial"/>
       </a:defRPr>
     </a:lvl8pPr>
-    <a:lvl9pPr lvl="8" marR="0" rtl="0" algn="l">
+    <a:lvl9pPr marR="0" lvl="8" algn="l" rtl="0">
       <a:lnSpc>
         <a:spcPct val="100000"/>
       </a:lnSpc>
@@ -670,7 +685,7 @@
         <a:srgbClr val="000000"/>
       </a:buClr>
       <a:buFont typeface="Arial"/>
-      <a:defRPr b="0" i="0" sz="1400" u="none" cap="none" strike="noStrike">
+      <a:defRPr sz="1400" b="0" i="0" u="none" strike="noStrike" cap="none">
         <a:solidFill>
           <a:srgbClr val="000000"/>
         </a:solidFill>
@@ -685,11 +700,11 @@
 </file>
 
 <file path=ppt/notesSlides/notesSlide1.xml><?xml version="1.0" encoding="utf-8"?>
-<p:notes xmlns:a="http://schemas.openxmlformats.org/drawingml/2006/main" xmlns:r="http://schemas.openxmlformats.org/officeDocument/2006/relationships" xmlns:mc="http://schemas.openxmlformats.org/markup-compatibility/2006" xmlns:mv="urn:schemas-microsoft-com:mac:vml" xmlns:p="http://schemas.openxmlformats.org/presentationml/2006/main" xmlns:c="http://schemas.openxmlformats.org/drawingml/2006/chart" xmlns:dgm="http://schemas.openxmlformats.org/drawingml/2006/diagram" xmlns:o="urn:schemas-microsoft-com:office:office" xmlns:v="urn:schemas-microsoft-com:vml" xmlns:pvml="urn:schemas-microsoft-com:office:powerpoint" xmlns:com="http://schemas.openxmlformats.org/drawingml/2006/compatibility" xmlns:p14="http://schemas.microsoft.com/office/powerpoint/2010/main" xmlns:p15="http://schemas.microsoft.com/office/powerpoint/2012/main" showMasterPhAnim="0" showMasterSp="0">
+<p:notes xmlns:a="http://schemas.openxmlformats.org/drawingml/2006/main" xmlns:r="http://schemas.openxmlformats.org/officeDocument/2006/relationships" xmlns:p="http://schemas.openxmlformats.org/presentationml/2006/main" showMasterSp="0" showMasterPhAnim="0">
   <p:cSld>
     <p:spTree>
       <p:nvGrpSpPr>
-        <p:cNvPr id="50" name="Shape 50"/>
+        <p:cNvPr id="1" name="Shape 50"/>
         <p:cNvGrpSpPr/>
         <p:nvPr/>
       </p:nvGrpSpPr>
@@ -704,20 +719,26 @@
       <p:sp>
         <p:nvSpPr>
           <p:cNvPr id="51" name="Google Shape;51;p:notes"/>
-          <p:cNvSpPr/>
+          <p:cNvSpPr>
+            <a:spLocks noGrp="1" noRot="1" noChangeAspect="1"/>
+          </p:cNvSpPr>
           <p:nvPr>
-            <p:ph idx="2" type="sldImg"/>
+            <p:ph type="sldImg" idx="2"/>
           </p:nvPr>
         </p:nvSpPr>
         <p:spPr>
           <a:xfrm>
-            <a:off x="381300" y="685800"/>
-            <a:ext cx="6096075" cy="3429000"/>
+            <a:off x="381000" y="685800"/>
+            <a:ext cx="6096000" cy="3429000"/>
           </a:xfrm>
           <a:custGeom>
-            <a:rect b="b" l="l" r="r" t="t"/>
+            <a:avLst/>
+            <a:gdLst/>
+            <a:ahLst/>
+            <a:cxnLst/>
+            <a:rect l="l" t="t" r="r" b="b"/>
             <a:pathLst>
-              <a:path extrusionOk="0" h="120000" w="120000">
+              <a:path w="120000" h="120000" extrusionOk="0">
                 <a:moveTo>
                   <a:pt x="0" y="0"/>
                 </a:moveTo>
@@ -739,9 +760,11 @@
       <p:sp>
         <p:nvSpPr>
           <p:cNvPr id="52" name="Google Shape;52;p:notes"/>
-          <p:cNvSpPr txBox="1"/>
+          <p:cNvSpPr txBox="1">
+            <a:spLocks noGrp="1"/>
+          </p:cNvSpPr>
           <p:nvPr>
-            <p:ph idx="1" type="body"/>
+            <p:ph type="body" idx="1"/>
           </p:nvPr>
         </p:nvSpPr>
         <p:spPr>
@@ -754,12 +777,12 @@
           </a:prstGeom>
         </p:spPr>
         <p:txBody>
-          <a:bodyPr anchorCtr="0" anchor="t" bIns="91425" lIns="91425" spcFirstLastPara="1" rIns="91425" wrap="square" tIns="91425">
+          <a:bodyPr spcFirstLastPara="1" wrap="square" lIns="91425" tIns="91425" rIns="91425" bIns="91425" anchor="t" anchorCtr="0">
             <a:noAutofit/>
           </a:bodyPr>
           <a:lstStyle/>
           <a:p>
-            <a:pPr indent="0" lvl="0" marL="0" rtl="0" algn="l">
+            <a:pPr marL="0" lvl="0" indent="0" algn="l" rtl="0">
               <a:spcBef>
                 <a:spcPts val="0"/>
               </a:spcBef>
@@ -768,9 +791,6 @@
               </a:spcAft>
               <a:buNone/>
             </a:pPr>
-            <a:r>
-              <a:t/>
-            </a:r>
             <a:endParaRPr/>
           </a:p>
         </p:txBody>
@@ -784,11 +804,11 @@
 </file>
 
 <file path=ppt/slideLayouts/slideLayout1.xml><?xml version="1.0" encoding="utf-8"?>
-<p:sldLayout xmlns:a="http://schemas.openxmlformats.org/drawingml/2006/main" xmlns:r="http://schemas.openxmlformats.org/officeDocument/2006/relationships" xmlns:mc="http://schemas.openxmlformats.org/markup-compatibility/2006" xmlns:mv="urn:schemas-microsoft-com:mac:vml" xmlns:p="http://schemas.openxmlformats.org/presentationml/2006/main" xmlns:c="http://schemas.openxmlformats.org/drawingml/2006/chart" xmlns:dgm="http://schemas.openxmlformats.org/drawingml/2006/diagram" xmlns:o="urn:schemas-microsoft-com:office:office" xmlns:v="urn:schemas-microsoft-com:vml" xmlns:pvml="urn:schemas-microsoft-com:office:powerpoint" xmlns:com="http://schemas.openxmlformats.org/drawingml/2006/compatibility" xmlns:p14="http://schemas.microsoft.com/office/powerpoint/2010/main" xmlns:p15="http://schemas.microsoft.com/office/powerpoint/2012/main" matchingName="Title slide" type="title">
+<p:sldLayout xmlns:a="http://schemas.openxmlformats.org/drawingml/2006/main" xmlns:r="http://schemas.openxmlformats.org/officeDocument/2006/relationships" xmlns:p="http://schemas.openxmlformats.org/presentationml/2006/main" matchingName="Title slide" type="title">
   <p:cSld name="TITLE">
     <p:spTree>
       <p:nvGrpSpPr>
-        <p:cNvPr id="9" name="Shape 9"/>
+        <p:cNvPr id="1" name="Shape 9"/>
         <p:cNvGrpSpPr/>
         <p:nvPr/>
       </p:nvGrpSpPr>
@@ -803,7 +823,9 @@
       <p:sp>
         <p:nvSpPr>
           <p:cNvPr id="10" name="Google Shape;10;p2"/>
-          <p:cNvSpPr txBox="1"/>
+          <p:cNvSpPr txBox="1">
+            <a:spLocks noGrp="1"/>
+          </p:cNvSpPr>
           <p:nvPr>
             <p:ph type="ctrTitle"/>
           </p:nvPr>
@@ -818,7 +840,7 @@
           </a:prstGeom>
         </p:spPr>
         <p:txBody>
-          <a:bodyPr anchorCtr="0" anchor="b" bIns="91425" lIns="91425" spcFirstLastPara="1" rIns="91425" wrap="square" tIns="91425"/>
+          <a:bodyPr spcFirstLastPara="1" wrap="square" lIns="91425" tIns="91425" rIns="91425" bIns="91425" anchor="b" anchorCtr="0"/>
           <a:lstStyle>
             <a:lvl1pPr lvl="0" algn="ctr">
               <a:spcBef>
@@ -920,15 +942,19 @@
               <a:defRPr sz="5200"/>
             </a:lvl9pPr>
           </a:lstStyle>
-          <a:p/>
+          <a:p>
+            <a:endParaRPr/>
+          </a:p>
         </p:txBody>
       </p:sp>
       <p:sp>
         <p:nvSpPr>
           <p:cNvPr id="11" name="Google Shape;11;p2"/>
-          <p:cNvSpPr txBox="1"/>
+          <p:cNvSpPr txBox="1">
+            <a:spLocks noGrp="1"/>
+          </p:cNvSpPr>
           <p:nvPr>
-            <p:ph idx="1" type="subTitle"/>
+            <p:ph type="subTitle" idx="1"/>
           </p:nvPr>
         </p:nvSpPr>
         <p:spPr>
@@ -941,7 +967,7 @@
           </a:prstGeom>
         </p:spPr>
         <p:txBody>
-          <a:bodyPr anchorCtr="0" anchor="t" bIns="91425" lIns="91425" spcFirstLastPara="1" rIns="91425" wrap="square" tIns="91425"/>
+          <a:bodyPr spcFirstLastPara="1" wrap="square" lIns="91425" tIns="91425" rIns="91425" bIns="91425" anchor="t" anchorCtr="0"/>
           <a:lstStyle>
             <a:lvl1pPr lvl="0" algn="ctr">
               <a:lnSpc>
@@ -1070,15 +1096,19 @@
               <a:defRPr sz="2800"/>
             </a:lvl9pPr>
           </a:lstStyle>
-          <a:p/>
+          <a:p>
+            <a:endParaRPr/>
+          </a:p>
         </p:txBody>
       </p:sp>
       <p:sp>
         <p:nvSpPr>
           <p:cNvPr id="12" name="Google Shape;12;p2"/>
-          <p:cNvSpPr txBox="1"/>
+          <p:cNvSpPr txBox="1">
+            <a:spLocks noGrp="1"/>
+          </p:cNvSpPr>
           <p:nvPr>
-            <p:ph idx="12" type="sldNum"/>
+            <p:ph type="sldNum" idx="12"/>
           </p:nvPr>
         </p:nvSpPr>
         <p:spPr>
@@ -1091,7 +1121,7 @@
           </a:prstGeom>
         </p:spPr>
         <p:txBody>
-          <a:bodyPr anchorCtr="0" anchor="ctr" bIns="91425" lIns="91425" spcFirstLastPara="1" rIns="91425" wrap="square" tIns="91425">
+          <a:bodyPr spcFirstLastPara="1" wrap="square" lIns="91425" tIns="91425" rIns="91425" bIns="91425" anchor="ctr" anchorCtr="0">
             <a:noAutofit/>
           </a:bodyPr>
           <a:lstStyle>
@@ -1133,7 +1163,7 @@
             </a:lvl9pPr>
           </a:lstStyle>
           <a:p>
-            <a:pPr indent="0" lvl="0" marL="0" rtl="0" algn="r">
+            <a:pPr marL="0" lvl="0" indent="0" algn="r" rtl="0">
               <a:spcBef>
                 <a:spcPts val="0"/>
               </a:spcBef>
@@ -1159,11 +1189,11 @@
 </file>
 
 <file path=ppt/slideLayouts/slideLayout10.xml><?xml version="1.0" encoding="utf-8"?>
-<p:sldLayout xmlns:a="http://schemas.openxmlformats.org/drawingml/2006/main" xmlns:r="http://schemas.openxmlformats.org/officeDocument/2006/relationships" xmlns:mc="http://schemas.openxmlformats.org/markup-compatibility/2006" xmlns:mv="urn:schemas-microsoft-com:mac:vml" xmlns:p="http://schemas.openxmlformats.org/presentationml/2006/main" xmlns:c="http://schemas.openxmlformats.org/drawingml/2006/chart" xmlns:dgm="http://schemas.openxmlformats.org/drawingml/2006/diagram" xmlns:o="urn:schemas-microsoft-com:office:office" xmlns:v="urn:schemas-microsoft-com:vml" xmlns:pvml="urn:schemas-microsoft-com:office:powerpoint" xmlns:com="http://schemas.openxmlformats.org/drawingml/2006/compatibility" xmlns:p14="http://schemas.microsoft.com/office/powerpoint/2010/main" xmlns:p15="http://schemas.microsoft.com/office/powerpoint/2012/main" matchingName="Big number">
+<p:sldLayout xmlns:a="http://schemas.openxmlformats.org/drawingml/2006/main" xmlns:r="http://schemas.openxmlformats.org/officeDocument/2006/relationships" xmlns:p="http://schemas.openxmlformats.org/presentationml/2006/main" matchingName="Big number">
   <p:cSld name="BIG_NUMBER">
     <p:spTree>
       <p:nvGrpSpPr>
-        <p:cNvPr id="44" name="Shape 44"/>
+        <p:cNvPr id="1" name="Shape 44"/>
         <p:cNvGrpSpPr/>
         <p:nvPr/>
       </p:nvGrpSpPr>
@@ -1178,9 +1208,11 @@
       <p:sp>
         <p:nvSpPr>
           <p:cNvPr id="45" name="Google Shape;45;p11"/>
-          <p:cNvSpPr txBox="1"/>
+          <p:cNvSpPr txBox="1">
+            <a:spLocks noGrp="1"/>
+          </p:cNvSpPr>
           <p:nvPr>
-            <p:ph hasCustomPrompt="1" type="title"/>
+            <p:ph type="title" hasCustomPrompt="1"/>
           </p:nvPr>
         </p:nvSpPr>
         <p:spPr>
@@ -1193,7 +1225,7 @@
           </a:prstGeom>
         </p:spPr>
         <p:txBody>
-          <a:bodyPr anchorCtr="0" anchor="b" bIns="91425" lIns="91425" spcFirstLastPara="1" rIns="91425" wrap="square" tIns="91425"/>
+          <a:bodyPr spcFirstLastPara="1" wrap="square" lIns="91425" tIns="91425" rIns="91425" bIns="91425" anchor="b" anchorCtr="0"/>
           <a:lstStyle>
             <a:lvl1pPr lvl="0" algn="ctr">
               <a:spcBef>
@@ -1305,9 +1337,11 @@
       <p:sp>
         <p:nvSpPr>
           <p:cNvPr id="46" name="Google Shape;46;p11"/>
-          <p:cNvSpPr txBox="1"/>
+          <p:cNvSpPr txBox="1">
+            <a:spLocks noGrp="1"/>
+          </p:cNvSpPr>
           <p:nvPr>
-            <p:ph idx="1" type="body"/>
+            <p:ph type="body" idx="1"/>
           </p:nvPr>
         </p:nvSpPr>
         <p:spPr>
@@ -1320,9 +1354,9 @@
           </a:prstGeom>
         </p:spPr>
         <p:txBody>
-          <a:bodyPr anchorCtr="0" anchor="t" bIns="91425" lIns="91425" spcFirstLastPara="1" rIns="91425" wrap="square" tIns="91425"/>
+          <a:bodyPr spcFirstLastPara="1" wrap="square" lIns="91425" tIns="91425" rIns="91425" bIns="91425" anchor="t" anchorCtr="0"/>
           <a:lstStyle>
-            <a:lvl1pPr indent="-342900" lvl="0" marL="457200" algn="ctr">
+            <a:lvl1pPr marL="457200" lvl="0" indent="-342900" algn="ctr">
               <a:spcBef>
                 <a:spcPts val="0"/>
               </a:spcBef>
@@ -1333,7 +1367,7 @@
               <a:buChar char="●"/>
               <a:defRPr/>
             </a:lvl1pPr>
-            <a:lvl2pPr indent="-317500" lvl="1" marL="914400" algn="ctr">
+            <a:lvl2pPr marL="914400" lvl="1" indent="-317500" algn="ctr">
               <a:spcBef>
                 <a:spcPts val="1600"/>
               </a:spcBef>
@@ -1344,7 +1378,7 @@
               <a:buChar char="○"/>
               <a:defRPr/>
             </a:lvl2pPr>
-            <a:lvl3pPr indent="-317500" lvl="2" marL="1371600" algn="ctr">
+            <a:lvl3pPr marL="1371600" lvl="2" indent="-317500" algn="ctr">
               <a:spcBef>
                 <a:spcPts val="1600"/>
               </a:spcBef>
@@ -1355,7 +1389,7 @@
               <a:buChar char="■"/>
               <a:defRPr/>
             </a:lvl3pPr>
-            <a:lvl4pPr indent="-317500" lvl="3" marL="1828800" algn="ctr">
+            <a:lvl4pPr marL="1828800" lvl="3" indent="-317500" algn="ctr">
               <a:spcBef>
                 <a:spcPts val="1600"/>
               </a:spcBef>
@@ -1366,7 +1400,7 @@
               <a:buChar char="●"/>
               <a:defRPr/>
             </a:lvl4pPr>
-            <a:lvl5pPr indent="-317500" lvl="4" marL="2286000" algn="ctr">
+            <a:lvl5pPr marL="2286000" lvl="4" indent="-317500" algn="ctr">
               <a:spcBef>
                 <a:spcPts val="1600"/>
               </a:spcBef>
@@ -1377,7 +1411,7 @@
               <a:buChar char="○"/>
               <a:defRPr/>
             </a:lvl5pPr>
-            <a:lvl6pPr indent="-317500" lvl="5" marL="2743200" algn="ctr">
+            <a:lvl6pPr marL="2743200" lvl="5" indent="-317500" algn="ctr">
               <a:spcBef>
                 <a:spcPts val="1600"/>
               </a:spcBef>
@@ -1388,7 +1422,7 @@
               <a:buChar char="■"/>
               <a:defRPr/>
             </a:lvl6pPr>
-            <a:lvl7pPr indent="-317500" lvl="6" marL="3200400" algn="ctr">
+            <a:lvl7pPr marL="3200400" lvl="6" indent="-317500" algn="ctr">
               <a:spcBef>
                 <a:spcPts val="1600"/>
               </a:spcBef>
@@ -1399,7 +1433,7 @@
               <a:buChar char="●"/>
               <a:defRPr/>
             </a:lvl7pPr>
-            <a:lvl8pPr indent="-317500" lvl="7" marL="3657600" algn="ctr">
+            <a:lvl8pPr marL="3657600" lvl="7" indent="-317500" algn="ctr">
               <a:spcBef>
                 <a:spcPts val="1600"/>
               </a:spcBef>
@@ -1410,7 +1444,7 @@
               <a:buChar char="○"/>
               <a:defRPr/>
             </a:lvl8pPr>
-            <a:lvl9pPr indent="-317500" lvl="8" marL="4114800" algn="ctr">
+            <a:lvl9pPr marL="4114800" lvl="8" indent="-317500" algn="ctr">
               <a:spcBef>
                 <a:spcPts val="1600"/>
               </a:spcBef>
@@ -1422,15 +1456,19 @@
               <a:defRPr/>
             </a:lvl9pPr>
           </a:lstStyle>
-          <a:p/>
+          <a:p>
+            <a:endParaRPr/>
+          </a:p>
         </p:txBody>
       </p:sp>
       <p:sp>
         <p:nvSpPr>
           <p:cNvPr id="47" name="Google Shape;47;p11"/>
-          <p:cNvSpPr txBox="1"/>
+          <p:cNvSpPr txBox="1">
+            <a:spLocks noGrp="1"/>
+          </p:cNvSpPr>
           <p:nvPr>
-            <p:ph idx="12" type="sldNum"/>
+            <p:ph type="sldNum" idx="12"/>
           </p:nvPr>
         </p:nvSpPr>
         <p:spPr>
@@ -1443,7 +1481,7 @@
           </a:prstGeom>
         </p:spPr>
         <p:txBody>
-          <a:bodyPr anchorCtr="0" anchor="ctr" bIns="91425" lIns="91425" spcFirstLastPara="1" rIns="91425" wrap="square" tIns="91425">
+          <a:bodyPr spcFirstLastPara="1" wrap="square" lIns="91425" tIns="91425" rIns="91425" bIns="91425" anchor="ctr" anchorCtr="0">
             <a:noAutofit/>
           </a:bodyPr>
           <a:lstStyle>
@@ -1485,7 +1523,7 @@
             </a:lvl9pPr>
           </a:lstStyle>
           <a:p>
-            <a:pPr indent="0" lvl="0" marL="0" rtl="0" algn="r">
+            <a:pPr marL="0" lvl="0" indent="0" algn="r" rtl="0">
               <a:spcBef>
                 <a:spcPts val="0"/>
               </a:spcBef>
@@ -1511,11 +1549,11 @@
 </file>
 
 <file path=ppt/slideLayouts/slideLayout11.xml><?xml version="1.0" encoding="utf-8"?>
-<p:sldLayout xmlns:a="http://schemas.openxmlformats.org/drawingml/2006/main" xmlns:r="http://schemas.openxmlformats.org/officeDocument/2006/relationships" xmlns:mc="http://schemas.openxmlformats.org/markup-compatibility/2006" xmlns:mv="urn:schemas-microsoft-com:mac:vml" xmlns:p="http://schemas.openxmlformats.org/presentationml/2006/main" xmlns:c="http://schemas.openxmlformats.org/drawingml/2006/chart" xmlns:dgm="http://schemas.openxmlformats.org/drawingml/2006/diagram" xmlns:o="urn:schemas-microsoft-com:office:office" xmlns:v="urn:schemas-microsoft-com:vml" xmlns:pvml="urn:schemas-microsoft-com:office:powerpoint" xmlns:com="http://schemas.openxmlformats.org/drawingml/2006/compatibility" xmlns:p14="http://schemas.microsoft.com/office/powerpoint/2010/main" xmlns:p15="http://schemas.microsoft.com/office/powerpoint/2012/main" matchingName="Blank" type="blank">
+<p:sldLayout xmlns:a="http://schemas.openxmlformats.org/drawingml/2006/main" xmlns:r="http://schemas.openxmlformats.org/officeDocument/2006/relationships" xmlns:p="http://schemas.openxmlformats.org/presentationml/2006/main" matchingName="Blank" type="blank">
   <p:cSld name="BLANK">
     <p:spTree>
       <p:nvGrpSpPr>
-        <p:cNvPr id="48" name="Shape 48"/>
+        <p:cNvPr id="1" name="Shape 48"/>
         <p:cNvGrpSpPr/>
         <p:nvPr/>
       </p:nvGrpSpPr>
@@ -1530,9 +1568,11 @@
       <p:sp>
         <p:nvSpPr>
           <p:cNvPr id="49" name="Google Shape;49;p12"/>
-          <p:cNvSpPr txBox="1"/>
+          <p:cNvSpPr txBox="1">
+            <a:spLocks noGrp="1"/>
+          </p:cNvSpPr>
           <p:nvPr>
-            <p:ph idx="12" type="sldNum"/>
+            <p:ph type="sldNum" idx="12"/>
           </p:nvPr>
         </p:nvSpPr>
         <p:spPr>
@@ -1545,7 +1585,7 @@
           </a:prstGeom>
         </p:spPr>
         <p:txBody>
-          <a:bodyPr anchorCtr="0" anchor="ctr" bIns="91425" lIns="91425" spcFirstLastPara="1" rIns="91425" wrap="square" tIns="91425">
+          <a:bodyPr spcFirstLastPara="1" wrap="square" lIns="91425" tIns="91425" rIns="91425" bIns="91425" anchor="ctr" anchorCtr="0">
             <a:noAutofit/>
           </a:bodyPr>
           <a:lstStyle>
@@ -1587,7 +1627,7 @@
             </a:lvl9pPr>
           </a:lstStyle>
           <a:p>
-            <a:pPr indent="0" lvl="0" marL="0" rtl="0" algn="r">
+            <a:pPr marL="0" lvl="0" indent="0" algn="r" rtl="0">
               <a:spcBef>
                 <a:spcPts val="0"/>
               </a:spcBef>
@@ -1613,11 +1653,11 @@
 </file>
 
 <file path=ppt/slideLayouts/slideLayout2.xml><?xml version="1.0" encoding="utf-8"?>
-<p:sldLayout xmlns:a="http://schemas.openxmlformats.org/drawingml/2006/main" xmlns:r="http://schemas.openxmlformats.org/officeDocument/2006/relationships" xmlns:mc="http://schemas.openxmlformats.org/markup-compatibility/2006" xmlns:mv="urn:schemas-microsoft-com:mac:vml" xmlns:p="http://schemas.openxmlformats.org/presentationml/2006/main" xmlns:c="http://schemas.openxmlformats.org/drawingml/2006/chart" xmlns:dgm="http://schemas.openxmlformats.org/drawingml/2006/diagram" xmlns:o="urn:schemas-microsoft-com:office:office" xmlns:v="urn:schemas-microsoft-com:vml" xmlns:pvml="urn:schemas-microsoft-com:office:powerpoint" xmlns:com="http://schemas.openxmlformats.org/drawingml/2006/compatibility" xmlns:p14="http://schemas.microsoft.com/office/powerpoint/2010/main" xmlns:p15="http://schemas.microsoft.com/office/powerpoint/2012/main" matchingName="Section header" type="secHead">
+<p:sldLayout xmlns:a="http://schemas.openxmlformats.org/drawingml/2006/main" xmlns:r="http://schemas.openxmlformats.org/officeDocument/2006/relationships" xmlns:p="http://schemas.openxmlformats.org/presentationml/2006/main" matchingName="Section header" type="secHead">
   <p:cSld name="SECTION_HEADER">
     <p:spTree>
       <p:nvGrpSpPr>
-        <p:cNvPr id="13" name="Shape 13"/>
+        <p:cNvPr id="1" name="Shape 13"/>
         <p:cNvGrpSpPr/>
         <p:nvPr/>
       </p:nvGrpSpPr>
@@ -1632,7 +1672,9 @@
       <p:sp>
         <p:nvSpPr>
           <p:cNvPr id="14" name="Google Shape;14;p3"/>
-          <p:cNvSpPr txBox="1"/>
+          <p:cNvSpPr txBox="1">
+            <a:spLocks noGrp="1"/>
+          </p:cNvSpPr>
           <p:nvPr>
             <p:ph type="title"/>
           </p:nvPr>
@@ -1647,7 +1689,7 @@
           </a:prstGeom>
         </p:spPr>
         <p:txBody>
-          <a:bodyPr anchorCtr="0" anchor="ctr" bIns="91425" lIns="91425" spcFirstLastPara="1" rIns="91425" wrap="square" tIns="91425"/>
+          <a:bodyPr spcFirstLastPara="1" wrap="square" lIns="91425" tIns="91425" rIns="91425" bIns="91425" anchor="ctr" anchorCtr="0"/>
           <a:lstStyle>
             <a:lvl1pPr lvl="0" algn="ctr">
               <a:spcBef>
@@ -1749,15 +1791,19 @@
               <a:defRPr sz="3600"/>
             </a:lvl9pPr>
           </a:lstStyle>
-          <a:p/>
+          <a:p>
+            <a:endParaRPr/>
+          </a:p>
         </p:txBody>
       </p:sp>
       <p:sp>
         <p:nvSpPr>
           <p:cNvPr id="15" name="Google Shape;15;p3"/>
-          <p:cNvSpPr txBox="1"/>
+          <p:cNvSpPr txBox="1">
+            <a:spLocks noGrp="1"/>
+          </p:cNvSpPr>
           <p:nvPr>
-            <p:ph idx="12" type="sldNum"/>
+            <p:ph type="sldNum" idx="12"/>
           </p:nvPr>
         </p:nvSpPr>
         <p:spPr>
@@ -1770,7 +1816,7 @@
           </a:prstGeom>
         </p:spPr>
         <p:txBody>
-          <a:bodyPr anchorCtr="0" anchor="ctr" bIns="91425" lIns="91425" spcFirstLastPara="1" rIns="91425" wrap="square" tIns="91425">
+          <a:bodyPr spcFirstLastPara="1" wrap="square" lIns="91425" tIns="91425" rIns="91425" bIns="91425" anchor="ctr" anchorCtr="0">
             <a:noAutofit/>
           </a:bodyPr>
           <a:lstStyle>
@@ -1812,7 +1858,7 @@
             </a:lvl9pPr>
           </a:lstStyle>
           <a:p>
-            <a:pPr indent="0" lvl="0" marL="0" rtl="0" algn="r">
+            <a:pPr marL="0" lvl="0" indent="0" algn="r" rtl="0">
               <a:spcBef>
                 <a:spcPts val="0"/>
               </a:spcBef>
@@ -1838,11 +1884,11 @@
 </file>
 
 <file path=ppt/slideLayouts/slideLayout3.xml><?xml version="1.0" encoding="utf-8"?>
-<p:sldLayout xmlns:a="http://schemas.openxmlformats.org/drawingml/2006/main" xmlns:r="http://schemas.openxmlformats.org/officeDocument/2006/relationships" xmlns:mc="http://schemas.openxmlformats.org/markup-compatibility/2006" xmlns:mv="urn:schemas-microsoft-com:mac:vml" xmlns:p="http://schemas.openxmlformats.org/presentationml/2006/main" xmlns:c="http://schemas.openxmlformats.org/drawingml/2006/chart" xmlns:dgm="http://schemas.openxmlformats.org/drawingml/2006/diagram" xmlns:o="urn:schemas-microsoft-com:office:office" xmlns:v="urn:schemas-microsoft-com:vml" xmlns:pvml="urn:schemas-microsoft-com:office:powerpoint" xmlns:com="http://schemas.openxmlformats.org/drawingml/2006/compatibility" xmlns:p14="http://schemas.microsoft.com/office/powerpoint/2010/main" xmlns:p15="http://schemas.microsoft.com/office/powerpoint/2012/main" matchingName="Title and body" type="tx">
+<p:sldLayout xmlns:a="http://schemas.openxmlformats.org/drawingml/2006/main" xmlns:r="http://schemas.openxmlformats.org/officeDocument/2006/relationships" xmlns:p="http://schemas.openxmlformats.org/presentationml/2006/main" matchingName="Title and body" type="tx">
   <p:cSld name="TITLE_AND_BODY">
     <p:spTree>
       <p:nvGrpSpPr>
-        <p:cNvPr id="16" name="Shape 16"/>
+        <p:cNvPr id="1" name="Shape 16"/>
         <p:cNvGrpSpPr/>
         <p:nvPr/>
       </p:nvGrpSpPr>
@@ -1857,7 +1903,9 @@
       <p:sp>
         <p:nvSpPr>
           <p:cNvPr id="17" name="Google Shape;17;p4"/>
-          <p:cNvSpPr txBox="1"/>
+          <p:cNvSpPr txBox="1">
+            <a:spLocks noGrp="1"/>
+          </p:cNvSpPr>
           <p:nvPr>
             <p:ph type="title"/>
           </p:nvPr>
@@ -1872,7 +1920,7 @@
           </a:prstGeom>
         </p:spPr>
         <p:txBody>
-          <a:bodyPr anchorCtr="0" anchor="t" bIns="91425" lIns="91425" spcFirstLastPara="1" rIns="91425" wrap="square" tIns="91425"/>
+          <a:bodyPr spcFirstLastPara="1" wrap="square" lIns="91425" tIns="91425" rIns="91425" bIns="91425" anchor="t" anchorCtr="0"/>
           <a:lstStyle>
             <a:lvl1pPr lvl="0">
               <a:spcBef>
@@ -1974,15 +2022,19 @@
               <a:defRPr/>
             </a:lvl9pPr>
           </a:lstStyle>
-          <a:p/>
+          <a:p>
+            <a:endParaRPr/>
+          </a:p>
         </p:txBody>
       </p:sp>
       <p:sp>
         <p:nvSpPr>
           <p:cNvPr id="18" name="Google Shape;18;p4"/>
-          <p:cNvSpPr txBox="1"/>
+          <p:cNvSpPr txBox="1">
+            <a:spLocks noGrp="1"/>
+          </p:cNvSpPr>
           <p:nvPr>
-            <p:ph idx="1" type="body"/>
+            <p:ph type="body" idx="1"/>
           </p:nvPr>
         </p:nvSpPr>
         <p:spPr>
@@ -1995,9 +2047,9 @@
           </a:prstGeom>
         </p:spPr>
         <p:txBody>
-          <a:bodyPr anchorCtr="0" anchor="t" bIns="91425" lIns="91425" spcFirstLastPara="1" rIns="91425" wrap="square" tIns="91425"/>
+          <a:bodyPr spcFirstLastPara="1" wrap="square" lIns="91425" tIns="91425" rIns="91425" bIns="91425" anchor="t" anchorCtr="0"/>
           <a:lstStyle>
-            <a:lvl1pPr indent="-342900" lvl="0" marL="457200">
+            <a:lvl1pPr marL="457200" lvl="0" indent="-342900">
               <a:spcBef>
                 <a:spcPts val="0"/>
               </a:spcBef>
@@ -2008,7 +2060,7 @@
               <a:buChar char="●"/>
               <a:defRPr/>
             </a:lvl1pPr>
-            <a:lvl2pPr indent="-317500" lvl="1" marL="914400">
+            <a:lvl2pPr marL="914400" lvl="1" indent="-317500">
               <a:spcBef>
                 <a:spcPts val="1600"/>
               </a:spcBef>
@@ -2019,7 +2071,7 @@
               <a:buChar char="○"/>
               <a:defRPr/>
             </a:lvl2pPr>
-            <a:lvl3pPr indent="-317500" lvl="2" marL="1371600">
+            <a:lvl3pPr marL="1371600" lvl="2" indent="-317500">
               <a:spcBef>
                 <a:spcPts val="1600"/>
               </a:spcBef>
@@ -2030,7 +2082,7 @@
               <a:buChar char="■"/>
               <a:defRPr/>
             </a:lvl3pPr>
-            <a:lvl4pPr indent="-317500" lvl="3" marL="1828800">
+            <a:lvl4pPr marL="1828800" lvl="3" indent="-317500">
               <a:spcBef>
                 <a:spcPts val="1600"/>
               </a:spcBef>
@@ -2041,7 +2093,7 @@
               <a:buChar char="●"/>
               <a:defRPr/>
             </a:lvl4pPr>
-            <a:lvl5pPr indent="-317500" lvl="4" marL="2286000">
+            <a:lvl5pPr marL="2286000" lvl="4" indent="-317500">
               <a:spcBef>
                 <a:spcPts val="1600"/>
               </a:spcBef>
@@ -2052,7 +2104,7 @@
               <a:buChar char="○"/>
               <a:defRPr/>
             </a:lvl5pPr>
-            <a:lvl6pPr indent="-317500" lvl="5" marL="2743200">
+            <a:lvl6pPr marL="2743200" lvl="5" indent="-317500">
               <a:spcBef>
                 <a:spcPts val="1600"/>
               </a:spcBef>
@@ -2063,7 +2115,7 @@
               <a:buChar char="■"/>
               <a:defRPr/>
             </a:lvl6pPr>
-            <a:lvl7pPr indent="-317500" lvl="6" marL="3200400">
+            <a:lvl7pPr marL="3200400" lvl="6" indent="-317500">
               <a:spcBef>
                 <a:spcPts val="1600"/>
               </a:spcBef>
@@ -2074,7 +2126,7 @@
               <a:buChar char="●"/>
               <a:defRPr/>
             </a:lvl7pPr>
-            <a:lvl8pPr indent="-317500" lvl="7" marL="3657600">
+            <a:lvl8pPr marL="3657600" lvl="7" indent="-317500">
               <a:spcBef>
                 <a:spcPts val="1600"/>
               </a:spcBef>
@@ -2085,7 +2137,7 @@
               <a:buChar char="○"/>
               <a:defRPr/>
             </a:lvl8pPr>
-            <a:lvl9pPr indent="-317500" lvl="8" marL="4114800">
+            <a:lvl9pPr marL="4114800" lvl="8" indent="-317500">
               <a:spcBef>
                 <a:spcPts val="1600"/>
               </a:spcBef>
@@ -2097,15 +2149,19 @@
               <a:defRPr/>
             </a:lvl9pPr>
           </a:lstStyle>
-          <a:p/>
+          <a:p>
+            <a:endParaRPr/>
+          </a:p>
         </p:txBody>
       </p:sp>
       <p:sp>
         <p:nvSpPr>
           <p:cNvPr id="19" name="Google Shape;19;p4"/>
-          <p:cNvSpPr txBox="1"/>
+          <p:cNvSpPr txBox="1">
+            <a:spLocks noGrp="1"/>
+          </p:cNvSpPr>
           <p:nvPr>
-            <p:ph idx="12" type="sldNum"/>
+            <p:ph type="sldNum" idx="12"/>
           </p:nvPr>
         </p:nvSpPr>
         <p:spPr>
@@ -2118,7 +2174,7 @@
           </a:prstGeom>
         </p:spPr>
         <p:txBody>
-          <a:bodyPr anchorCtr="0" anchor="ctr" bIns="91425" lIns="91425" spcFirstLastPara="1" rIns="91425" wrap="square" tIns="91425">
+          <a:bodyPr spcFirstLastPara="1" wrap="square" lIns="91425" tIns="91425" rIns="91425" bIns="91425" anchor="ctr" anchorCtr="0">
             <a:noAutofit/>
           </a:bodyPr>
           <a:lstStyle>
@@ -2160,7 +2216,7 @@
             </a:lvl9pPr>
           </a:lstStyle>
           <a:p>
-            <a:pPr indent="0" lvl="0" marL="0" rtl="0" algn="r">
+            <a:pPr marL="0" lvl="0" indent="0" algn="r" rtl="0">
               <a:spcBef>
                 <a:spcPts val="0"/>
               </a:spcBef>
@@ -2186,11 +2242,11 @@
 </file>
 
 <file path=ppt/slideLayouts/slideLayout4.xml><?xml version="1.0" encoding="utf-8"?>
-<p:sldLayout xmlns:a="http://schemas.openxmlformats.org/drawingml/2006/main" xmlns:r="http://schemas.openxmlformats.org/officeDocument/2006/relationships" xmlns:mc="http://schemas.openxmlformats.org/markup-compatibility/2006" xmlns:mv="urn:schemas-microsoft-com:mac:vml" xmlns:p="http://schemas.openxmlformats.org/presentationml/2006/main" xmlns:c="http://schemas.openxmlformats.org/drawingml/2006/chart" xmlns:dgm="http://schemas.openxmlformats.org/drawingml/2006/diagram" xmlns:o="urn:schemas-microsoft-com:office:office" xmlns:v="urn:schemas-microsoft-com:vml" xmlns:pvml="urn:schemas-microsoft-com:office:powerpoint" xmlns:com="http://schemas.openxmlformats.org/drawingml/2006/compatibility" xmlns:p14="http://schemas.microsoft.com/office/powerpoint/2010/main" xmlns:p15="http://schemas.microsoft.com/office/powerpoint/2012/main" matchingName="Title and two columns" type="twoColTx">
+<p:sldLayout xmlns:a="http://schemas.openxmlformats.org/drawingml/2006/main" xmlns:r="http://schemas.openxmlformats.org/officeDocument/2006/relationships" xmlns:p="http://schemas.openxmlformats.org/presentationml/2006/main" matchingName="Title and two columns" type="twoColTx">
   <p:cSld name="TITLE_AND_TWO_COLUMNS">
     <p:spTree>
       <p:nvGrpSpPr>
-        <p:cNvPr id="20" name="Shape 20"/>
+        <p:cNvPr id="1" name="Shape 20"/>
         <p:cNvGrpSpPr/>
         <p:nvPr/>
       </p:nvGrpSpPr>
@@ -2205,7 +2261,9 @@
       <p:sp>
         <p:nvSpPr>
           <p:cNvPr id="21" name="Google Shape;21;p5"/>
-          <p:cNvSpPr txBox="1"/>
+          <p:cNvSpPr txBox="1">
+            <a:spLocks noGrp="1"/>
+          </p:cNvSpPr>
           <p:nvPr>
             <p:ph type="title"/>
           </p:nvPr>
@@ -2220,7 +2278,7 @@
           </a:prstGeom>
         </p:spPr>
         <p:txBody>
-          <a:bodyPr anchorCtr="0" anchor="t" bIns="91425" lIns="91425" spcFirstLastPara="1" rIns="91425" wrap="square" tIns="91425"/>
+          <a:bodyPr spcFirstLastPara="1" wrap="square" lIns="91425" tIns="91425" rIns="91425" bIns="91425" anchor="t" anchorCtr="0"/>
           <a:lstStyle>
             <a:lvl1pPr lvl="0">
               <a:spcBef>
@@ -2322,15 +2380,19 @@
               <a:defRPr/>
             </a:lvl9pPr>
           </a:lstStyle>
-          <a:p/>
+          <a:p>
+            <a:endParaRPr/>
+          </a:p>
         </p:txBody>
       </p:sp>
       <p:sp>
         <p:nvSpPr>
           <p:cNvPr id="22" name="Google Shape;22;p5"/>
-          <p:cNvSpPr txBox="1"/>
+          <p:cNvSpPr txBox="1">
+            <a:spLocks noGrp="1"/>
+          </p:cNvSpPr>
           <p:nvPr>
-            <p:ph idx="1" type="body"/>
+            <p:ph type="body" idx="1"/>
           </p:nvPr>
         </p:nvSpPr>
         <p:spPr>
@@ -2343,9 +2405,9 @@
           </a:prstGeom>
         </p:spPr>
         <p:txBody>
-          <a:bodyPr anchorCtr="0" anchor="t" bIns="91425" lIns="91425" spcFirstLastPara="1" rIns="91425" wrap="square" tIns="91425"/>
+          <a:bodyPr spcFirstLastPara="1" wrap="square" lIns="91425" tIns="91425" rIns="91425" bIns="91425" anchor="t" anchorCtr="0"/>
           <a:lstStyle>
-            <a:lvl1pPr indent="-317500" lvl="0" marL="457200">
+            <a:lvl1pPr marL="457200" lvl="0" indent="-317500">
               <a:spcBef>
                 <a:spcPts val="0"/>
               </a:spcBef>
@@ -2356,7 +2418,7 @@
               <a:buChar char="●"/>
               <a:defRPr sz="1400"/>
             </a:lvl1pPr>
-            <a:lvl2pPr indent="-304800" lvl="1" marL="914400">
+            <a:lvl2pPr marL="914400" lvl="1" indent="-304800">
               <a:spcBef>
                 <a:spcPts val="1600"/>
               </a:spcBef>
@@ -2367,7 +2429,7 @@
               <a:buChar char="○"/>
               <a:defRPr sz="1200"/>
             </a:lvl2pPr>
-            <a:lvl3pPr indent="-304800" lvl="2" marL="1371600">
+            <a:lvl3pPr marL="1371600" lvl="2" indent="-304800">
               <a:spcBef>
                 <a:spcPts val="1600"/>
               </a:spcBef>
@@ -2378,7 +2440,7 @@
               <a:buChar char="■"/>
               <a:defRPr sz="1200"/>
             </a:lvl3pPr>
-            <a:lvl4pPr indent="-304800" lvl="3" marL="1828800">
+            <a:lvl4pPr marL="1828800" lvl="3" indent="-304800">
               <a:spcBef>
                 <a:spcPts val="1600"/>
               </a:spcBef>
@@ -2389,7 +2451,7 @@
               <a:buChar char="●"/>
               <a:defRPr sz="1200"/>
             </a:lvl4pPr>
-            <a:lvl5pPr indent="-304800" lvl="4" marL="2286000">
+            <a:lvl5pPr marL="2286000" lvl="4" indent="-304800">
               <a:spcBef>
                 <a:spcPts val="1600"/>
               </a:spcBef>
@@ -2400,7 +2462,7 @@
               <a:buChar char="○"/>
               <a:defRPr sz="1200"/>
             </a:lvl5pPr>
-            <a:lvl6pPr indent="-304800" lvl="5" marL="2743200">
+            <a:lvl6pPr marL="2743200" lvl="5" indent="-304800">
               <a:spcBef>
                 <a:spcPts val="1600"/>
               </a:spcBef>
@@ -2411,7 +2473,7 @@
               <a:buChar char="■"/>
               <a:defRPr sz="1200"/>
             </a:lvl6pPr>
-            <a:lvl7pPr indent="-304800" lvl="6" marL="3200400">
+            <a:lvl7pPr marL="3200400" lvl="6" indent="-304800">
               <a:spcBef>
                 <a:spcPts val="1600"/>
               </a:spcBef>
@@ -2422,7 +2484,7 @@
               <a:buChar char="●"/>
               <a:defRPr sz="1200"/>
             </a:lvl7pPr>
-            <a:lvl8pPr indent="-304800" lvl="7" marL="3657600">
+            <a:lvl8pPr marL="3657600" lvl="7" indent="-304800">
               <a:spcBef>
                 <a:spcPts val="1600"/>
               </a:spcBef>
@@ -2433,7 +2495,7 @@
               <a:buChar char="○"/>
               <a:defRPr sz="1200"/>
             </a:lvl8pPr>
-            <a:lvl9pPr indent="-304800" lvl="8" marL="4114800">
+            <a:lvl9pPr marL="4114800" lvl="8" indent="-304800">
               <a:spcBef>
                 <a:spcPts val="1600"/>
               </a:spcBef>
@@ -2445,15 +2507,19 @@
               <a:defRPr sz="1200"/>
             </a:lvl9pPr>
           </a:lstStyle>
-          <a:p/>
+          <a:p>
+            <a:endParaRPr/>
+          </a:p>
         </p:txBody>
       </p:sp>
       <p:sp>
         <p:nvSpPr>
           <p:cNvPr id="23" name="Google Shape;23;p5"/>
-          <p:cNvSpPr txBox="1"/>
+          <p:cNvSpPr txBox="1">
+            <a:spLocks noGrp="1"/>
+          </p:cNvSpPr>
           <p:nvPr>
-            <p:ph idx="2" type="body"/>
+            <p:ph type="body" idx="2"/>
           </p:nvPr>
         </p:nvSpPr>
         <p:spPr>
@@ -2466,9 +2532,9 @@
           </a:prstGeom>
         </p:spPr>
         <p:txBody>
-          <a:bodyPr anchorCtr="0" anchor="t" bIns="91425" lIns="91425" spcFirstLastPara="1" rIns="91425" wrap="square" tIns="91425"/>
+          <a:bodyPr spcFirstLastPara="1" wrap="square" lIns="91425" tIns="91425" rIns="91425" bIns="91425" anchor="t" anchorCtr="0"/>
           <a:lstStyle>
-            <a:lvl1pPr indent="-317500" lvl="0" marL="457200">
+            <a:lvl1pPr marL="457200" lvl="0" indent="-317500">
               <a:spcBef>
                 <a:spcPts val="0"/>
               </a:spcBef>
@@ -2479,7 +2545,7 @@
               <a:buChar char="●"/>
               <a:defRPr sz="1400"/>
             </a:lvl1pPr>
-            <a:lvl2pPr indent="-304800" lvl="1" marL="914400">
+            <a:lvl2pPr marL="914400" lvl="1" indent="-304800">
               <a:spcBef>
                 <a:spcPts val="1600"/>
               </a:spcBef>
@@ -2490,7 +2556,7 @@
               <a:buChar char="○"/>
               <a:defRPr sz="1200"/>
             </a:lvl2pPr>
-            <a:lvl3pPr indent="-304800" lvl="2" marL="1371600">
+            <a:lvl3pPr marL="1371600" lvl="2" indent="-304800">
               <a:spcBef>
                 <a:spcPts val="1600"/>
               </a:spcBef>
@@ -2501,7 +2567,7 @@
               <a:buChar char="■"/>
               <a:defRPr sz="1200"/>
             </a:lvl3pPr>
-            <a:lvl4pPr indent="-304800" lvl="3" marL="1828800">
+            <a:lvl4pPr marL="1828800" lvl="3" indent="-304800">
               <a:spcBef>
                 <a:spcPts val="1600"/>
               </a:spcBef>
@@ -2512,7 +2578,7 @@
               <a:buChar char="●"/>
               <a:defRPr sz="1200"/>
             </a:lvl4pPr>
-            <a:lvl5pPr indent="-304800" lvl="4" marL="2286000">
+            <a:lvl5pPr marL="2286000" lvl="4" indent="-304800">
               <a:spcBef>
                 <a:spcPts val="1600"/>
               </a:spcBef>
@@ -2523,7 +2589,7 @@
               <a:buChar char="○"/>
               <a:defRPr sz="1200"/>
             </a:lvl5pPr>
-            <a:lvl6pPr indent="-304800" lvl="5" marL="2743200">
+            <a:lvl6pPr marL="2743200" lvl="5" indent="-304800">
               <a:spcBef>
                 <a:spcPts val="1600"/>
               </a:spcBef>
@@ -2534,7 +2600,7 @@
               <a:buChar char="■"/>
               <a:defRPr sz="1200"/>
             </a:lvl6pPr>
-            <a:lvl7pPr indent="-304800" lvl="6" marL="3200400">
+            <a:lvl7pPr marL="3200400" lvl="6" indent="-304800">
               <a:spcBef>
                 <a:spcPts val="1600"/>
               </a:spcBef>
@@ -2545,7 +2611,7 @@
               <a:buChar char="●"/>
               <a:defRPr sz="1200"/>
             </a:lvl7pPr>
-            <a:lvl8pPr indent="-304800" lvl="7" marL="3657600">
+            <a:lvl8pPr marL="3657600" lvl="7" indent="-304800">
               <a:spcBef>
                 <a:spcPts val="1600"/>
               </a:spcBef>
@@ -2556,7 +2622,7 @@
               <a:buChar char="○"/>
               <a:defRPr sz="1200"/>
             </a:lvl8pPr>
-            <a:lvl9pPr indent="-304800" lvl="8" marL="4114800">
+            <a:lvl9pPr marL="4114800" lvl="8" indent="-304800">
               <a:spcBef>
                 <a:spcPts val="1600"/>
               </a:spcBef>
@@ -2568,15 +2634,19 @@
               <a:defRPr sz="1200"/>
             </a:lvl9pPr>
           </a:lstStyle>
-          <a:p/>
+          <a:p>
+            <a:endParaRPr/>
+          </a:p>
         </p:txBody>
       </p:sp>
       <p:sp>
         <p:nvSpPr>
           <p:cNvPr id="24" name="Google Shape;24;p5"/>
-          <p:cNvSpPr txBox="1"/>
+          <p:cNvSpPr txBox="1">
+            <a:spLocks noGrp="1"/>
+          </p:cNvSpPr>
           <p:nvPr>
-            <p:ph idx="12" type="sldNum"/>
+            <p:ph type="sldNum" idx="12"/>
           </p:nvPr>
         </p:nvSpPr>
         <p:spPr>
@@ -2589,7 +2659,7 @@
           </a:prstGeom>
         </p:spPr>
         <p:txBody>
-          <a:bodyPr anchorCtr="0" anchor="ctr" bIns="91425" lIns="91425" spcFirstLastPara="1" rIns="91425" wrap="square" tIns="91425">
+          <a:bodyPr spcFirstLastPara="1" wrap="square" lIns="91425" tIns="91425" rIns="91425" bIns="91425" anchor="ctr" anchorCtr="0">
             <a:noAutofit/>
           </a:bodyPr>
           <a:lstStyle>
@@ -2631,7 +2701,7 @@
             </a:lvl9pPr>
           </a:lstStyle>
           <a:p>
-            <a:pPr indent="0" lvl="0" marL="0" rtl="0" algn="r">
+            <a:pPr marL="0" lvl="0" indent="0" algn="r" rtl="0">
               <a:spcBef>
                 <a:spcPts val="0"/>
               </a:spcBef>
@@ -2657,11 +2727,11 @@
 </file>
 
 <file path=ppt/slideLayouts/slideLayout5.xml><?xml version="1.0" encoding="utf-8"?>
-<p:sldLayout xmlns:a="http://schemas.openxmlformats.org/drawingml/2006/main" xmlns:r="http://schemas.openxmlformats.org/officeDocument/2006/relationships" xmlns:mc="http://schemas.openxmlformats.org/markup-compatibility/2006" xmlns:mv="urn:schemas-microsoft-com:mac:vml" xmlns:p="http://schemas.openxmlformats.org/presentationml/2006/main" xmlns:c="http://schemas.openxmlformats.org/drawingml/2006/chart" xmlns:dgm="http://schemas.openxmlformats.org/drawingml/2006/diagram" xmlns:o="urn:schemas-microsoft-com:office:office" xmlns:v="urn:schemas-microsoft-com:vml" xmlns:pvml="urn:schemas-microsoft-com:office:powerpoint" xmlns:com="http://schemas.openxmlformats.org/drawingml/2006/compatibility" xmlns:p14="http://schemas.microsoft.com/office/powerpoint/2010/main" xmlns:p15="http://schemas.microsoft.com/office/powerpoint/2012/main" matchingName="Title only" type="titleOnly">
+<p:sldLayout xmlns:a="http://schemas.openxmlformats.org/drawingml/2006/main" xmlns:r="http://schemas.openxmlformats.org/officeDocument/2006/relationships" xmlns:p="http://schemas.openxmlformats.org/presentationml/2006/main" matchingName="Title only" type="titleOnly">
   <p:cSld name="TITLE_ONLY">
     <p:spTree>
       <p:nvGrpSpPr>
-        <p:cNvPr id="25" name="Shape 25"/>
+        <p:cNvPr id="1" name="Shape 25"/>
         <p:cNvGrpSpPr/>
         <p:nvPr/>
       </p:nvGrpSpPr>
@@ -2676,7 +2746,9 @@
       <p:sp>
         <p:nvSpPr>
           <p:cNvPr id="26" name="Google Shape;26;p6"/>
-          <p:cNvSpPr txBox="1"/>
+          <p:cNvSpPr txBox="1">
+            <a:spLocks noGrp="1"/>
+          </p:cNvSpPr>
           <p:nvPr>
             <p:ph type="title"/>
           </p:nvPr>
@@ -2691,7 +2763,7 @@
           </a:prstGeom>
         </p:spPr>
         <p:txBody>
-          <a:bodyPr anchorCtr="0" anchor="t" bIns="91425" lIns="91425" spcFirstLastPara="1" rIns="91425" wrap="square" tIns="91425"/>
+          <a:bodyPr spcFirstLastPara="1" wrap="square" lIns="91425" tIns="91425" rIns="91425" bIns="91425" anchor="t" anchorCtr="0"/>
           <a:lstStyle>
             <a:lvl1pPr lvl="0">
               <a:spcBef>
@@ -2793,15 +2865,19 @@
               <a:defRPr/>
             </a:lvl9pPr>
           </a:lstStyle>
-          <a:p/>
+          <a:p>
+            <a:endParaRPr/>
+          </a:p>
         </p:txBody>
       </p:sp>
       <p:sp>
         <p:nvSpPr>
           <p:cNvPr id="27" name="Google Shape;27;p6"/>
-          <p:cNvSpPr txBox="1"/>
+          <p:cNvSpPr txBox="1">
+            <a:spLocks noGrp="1"/>
+          </p:cNvSpPr>
           <p:nvPr>
-            <p:ph idx="12" type="sldNum"/>
+            <p:ph type="sldNum" idx="12"/>
           </p:nvPr>
         </p:nvSpPr>
         <p:spPr>
@@ -2814,7 +2890,7 @@
           </a:prstGeom>
         </p:spPr>
         <p:txBody>
-          <a:bodyPr anchorCtr="0" anchor="ctr" bIns="91425" lIns="91425" spcFirstLastPara="1" rIns="91425" wrap="square" tIns="91425">
+          <a:bodyPr spcFirstLastPara="1" wrap="square" lIns="91425" tIns="91425" rIns="91425" bIns="91425" anchor="ctr" anchorCtr="0">
             <a:noAutofit/>
           </a:bodyPr>
           <a:lstStyle>
@@ -2856,7 +2932,7 @@
             </a:lvl9pPr>
           </a:lstStyle>
           <a:p>
-            <a:pPr indent="0" lvl="0" marL="0" rtl="0" algn="r">
+            <a:pPr marL="0" lvl="0" indent="0" algn="r" rtl="0">
               <a:spcBef>
                 <a:spcPts val="0"/>
               </a:spcBef>
@@ -2882,11 +2958,11 @@
 </file>
 
 <file path=ppt/slideLayouts/slideLayout6.xml><?xml version="1.0" encoding="utf-8"?>
-<p:sldLayout xmlns:a="http://schemas.openxmlformats.org/drawingml/2006/main" xmlns:r="http://schemas.openxmlformats.org/officeDocument/2006/relationships" xmlns:mc="http://schemas.openxmlformats.org/markup-compatibility/2006" xmlns:mv="urn:schemas-microsoft-com:mac:vml" xmlns:p="http://schemas.openxmlformats.org/presentationml/2006/main" xmlns:c="http://schemas.openxmlformats.org/drawingml/2006/chart" xmlns:dgm="http://schemas.openxmlformats.org/drawingml/2006/diagram" xmlns:o="urn:schemas-microsoft-com:office:office" xmlns:v="urn:schemas-microsoft-com:vml" xmlns:pvml="urn:schemas-microsoft-com:office:powerpoint" xmlns:com="http://schemas.openxmlformats.org/drawingml/2006/compatibility" xmlns:p14="http://schemas.microsoft.com/office/powerpoint/2010/main" xmlns:p15="http://schemas.microsoft.com/office/powerpoint/2012/main" matchingName="One column text">
+<p:sldLayout xmlns:a="http://schemas.openxmlformats.org/drawingml/2006/main" xmlns:r="http://schemas.openxmlformats.org/officeDocument/2006/relationships" xmlns:p="http://schemas.openxmlformats.org/presentationml/2006/main" matchingName="One column text">
   <p:cSld name="ONE_COLUMN_TEXT">
     <p:spTree>
       <p:nvGrpSpPr>
-        <p:cNvPr id="28" name="Shape 28"/>
+        <p:cNvPr id="1" name="Shape 28"/>
         <p:cNvGrpSpPr/>
         <p:nvPr/>
       </p:nvGrpSpPr>
@@ -2901,7 +2977,9 @@
       <p:sp>
         <p:nvSpPr>
           <p:cNvPr id="29" name="Google Shape;29;p7"/>
-          <p:cNvSpPr txBox="1"/>
+          <p:cNvSpPr txBox="1">
+            <a:spLocks noGrp="1"/>
+          </p:cNvSpPr>
           <p:nvPr>
             <p:ph type="title"/>
           </p:nvPr>
@@ -2916,7 +2994,7 @@
           </a:prstGeom>
         </p:spPr>
         <p:txBody>
-          <a:bodyPr anchorCtr="0" anchor="b" bIns="91425" lIns="91425" spcFirstLastPara="1" rIns="91425" wrap="square" tIns="91425"/>
+          <a:bodyPr spcFirstLastPara="1" wrap="square" lIns="91425" tIns="91425" rIns="91425" bIns="91425" anchor="b" anchorCtr="0"/>
           <a:lstStyle>
             <a:lvl1pPr lvl="0">
               <a:spcBef>
@@ -3018,15 +3096,19 @@
               <a:defRPr sz="2400"/>
             </a:lvl9pPr>
           </a:lstStyle>
-          <a:p/>
+          <a:p>
+            <a:endParaRPr/>
+          </a:p>
         </p:txBody>
       </p:sp>
       <p:sp>
         <p:nvSpPr>
           <p:cNvPr id="30" name="Google Shape;30;p7"/>
-          <p:cNvSpPr txBox="1"/>
+          <p:cNvSpPr txBox="1">
+            <a:spLocks noGrp="1"/>
+          </p:cNvSpPr>
           <p:nvPr>
-            <p:ph idx="1" type="body"/>
+            <p:ph type="body" idx="1"/>
           </p:nvPr>
         </p:nvSpPr>
         <p:spPr>
@@ -3039,9 +3121,9 @@
           </a:prstGeom>
         </p:spPr>
         <p:txBody>
-          <a:bodyPr anchorCtr="0" anchor="t" bIns="91425" lIns="91425" spcFirstLastPara="1" rIns="91425" wrap="square" tIns="91425"/>
+          <a:bodyPr spcFirstLastPara="1" wrap="square" lIns="91425" tIns="91425" rIns="91425" bIns="91425" anchor="t" anchorCtr="0"/>
           <a:lstStyle>
-            <a:lvl1pPr indent="-304800" lvl="0" marL="457200">
+            <a:lvl1pPr marL="457200" lvl="0" indent="-304800">
               <a:spcBef>
                 <a:spcPts val="0"/>
               </a:spcBef>
@@ -3052,7 +3134,7 @@
               <a:buChar char="●"/>
               <a:defRPr sz="1200"/>
             </a:lvl1pPr>
-            <a:lvl2pPr indent="-304800" lvl="1" marL="914400">
+            <a:lvl2pPr marL="914400" lvl="1" indent="-304800">
               <a:spcBef>
                 <a:spcPts val="1600"/>
               </a:spcBef>
@@ -3063,7 +3145,7 @@
               <a:buChar char="○"/>
               <a:defRPr sz="1200"/>
             </a:lvl2pPr>
-            <a:lvl3pPr indent="-304800" lvl="2" marL="1371600">
+            <a:lvl3pPr marL="1371600" lvl="2" indent="-304800">
               <a:spcBef>
                 <a:spcPts val="1600"/>
               </a:spcBef>
@@ -3074,7 +3156,7 @@
               <a:buChar char="■"/>
               <a:defRPr sz="1200"/>
             </a:lvl3pPr>
-            <a:lvl4pPr indent="-304800" lvl="3" marL="1828800">
+            <a:lvl4pPr marL="1828800" lvl="3" indent="-304800">
               <a:spcBef>
                 <a:spcPts val="1600"/>
               </a:spcBef>
@@ -3085,7 +3167,7 @@
               <a:buChar char="●"/>
               <a:defRPr sz="1200"/>
             </a:lvl4pPr>
-            <a:lvl5pPr indent="-304800" lvl="4" marL="2286000">
+            <a:lvl5pPr marL="2286000" lvl="4" indent="-304800">
               <a:spcBef>
                 <a:spcPts val="1600"/>
               </a:spcBef>
@@ -3096,7 +3178,7 @@
               <a:buChar char="○"/>
               <a:defRPr sz="1200"/>
             </a:lvl5pPr>
-            <a:lvl6pPr indent="-304800" lvl="5" marL="2743200">
+            <a:lvl6pPr marL="2743200" lvl="5" indent="-304800">
               <a:spcBef>
                 <a:spcPts val="1600"/>
               </a:spcBef>
@@ -3107,7 +3189,7 @@
               <a:buChar char="■"/>
               <a:defRPr sz="1200"/>
             </a:lvl6pPr>
-            <a:lvl7pPr indent="-304800" lvl="6" marL="3200400">
+            <a:lvl7pPr marL="3200400" lvl="6" indent="-304800">
               <a:spcBef>
                 <a:spcPts val="1600"/>
               </a:spcBef>
@@ -3118,7 +3200,7 @@
               <a:buChar char="●"/>
               <a:defRPr sz="1200"/>
             </a:lvl7pPr>
-            <a:lvl8pPr indent="-304800" lvl="7" marL="3657600">
+            <a:lvl8pPr marL="3657600" lvl="7" indent="-304800">
               <a:spcBef>
                 <a:spcPts val="1600"/>
               </a:spcBef>
@@ -3129,7 +3211,7 @@
               <a:buChar char="○"/>
               <a:defRPr sz="1200"/>
             </a:lvl8pPr>
-            <a:lvl9pPr indent="-304800" lvl="8" marL="4114800">
+            <a:lvl9pPr marL="4114800" lvl="8" indent="-304800">
               <a:spcBef>
                 <a:spcPts val="1600"/>
               </a:spcBef>
@@ -3141,15 +3223,19 @@
               <a:defRPr sz="1200"/>
             </a:lvl9pPr>
           </a:lstStyle>
-          <a:p/>
+          <a:p>
+            <a:endParaRPr/>
+          </a:p>
         </p:txBody>
       </p:sp>
       <p:sp>
         <p:nvSpPr>
           <p:cNvPr id="31" name="Google Shape;31;p7"/>
-          <p:cNvSpPr txBox="1"/>
+          <p:cNvSpPr txBox="1">
+            <a:spLocks noGrp="1"/>
+          </p:cNvSpPr>
           <p:nvPr>
-            <p:ph idx="12" type="sldNum"/>
+            <p:ph type="sldNum" idx="12"/>
           </p:nvPr>
         </p:nvSpPr>
         <p:spPr>
@@ -3162,7 +3248,7 @@
           </a:prstGeom>
         </p:spPr>
         <p:txBody>
-          <a:bodyPr anchorCtr="0" anchor="ctr" bIns="91425" lIns="91425" spcFirstLastPara="1" rIns="91425" wrap="square" tIns="91425">
+          <a:bodyPr spcFirstLastPara="1" wrap="square" lIns="91425" tIns="91425" rIns="91425" bIns="91425" anchor="ctr" anchorCtr="0">
             <a:noAutofit/>
           </a:bodyPr>
           <a:lstStyle>
@@ -3204,7 +3290,7 @@
             </a:lvl9pPr>
           </a:lstStyle>
           <a:p>
-            <a:pPr indent="0" lvl="0" marL="0" rtl="0" algn="r">
+            <a:pPr marL="0" lvl="0" indent="0" algn="r" rtl="0">
               <a:spcBef>
                 <a:spcPts val="0"/>
               </a:spcBef>
@@ -3230,11 +3316,11 @@
 </file>
 
 <file path=ppt/slideLayouts/slideLayout7.xml><?xml version="1.0" encoding="utf-8"?>
-<p:sldLayout xmlns:a="http://schemas.openxmlformats.org/drawingml/2006/main" xmlns:r="http://schemas.openxmlformats.org/officeDocument/2006/relationships" xmlns:mc="http://schemas.openxmlformats.org/markup-compatibility/2006" xmlns:mv="urn:schemas-microsoft-com:mac:vml" xmlns:p="http://schemas.openxmlformats.org/presentationml/2006/main" xmlns:c="http://schemas.openxmlformats.org/drawingml/2006/chart" xmlns:dgm="http://schemas.openxmlformats.org/drawingml/2006/diagram" xmlns:o="urn:schemas-microsoft-com:office:office" xmlns:v="urn:schemas-microsoft-com:vml" xmlns:pvml="urn:schemas-microsoft-com:office:powerpoint" xmlns:com="http://schemas.openxmlformats.org/drawingml/2006/compatibility" xmlns:p14="http://schemas.microsoft.com/office/powerpoint/2010/main" xmlns:p15="http://schemas.microsoft.com/office/powerpoint/2012/main" matchingName="Main point">
+<p:sldLayout xmlns:a="http://schemas.openxmlformats.org/drawingml/2006/main" xmlns:r="http://schemas.openxmlformats.org/officeDocument/2006/relationships" xmlns:p="http://schemas.openxmlformats.org/presentationml/2006/main" matchingName="Main point">
   <p:cSld name="MAIN_POINT">
     <p:spTree>
       <p:nvGrpSpPr>
-        <p:cNvPr id="32" name="Shape 32"/>
+        <p:cNvPr id="1" name="Shape 32"/>
         <p:cNvGrpSpPr/>
         <p:nvPr/>
       </p:nvGrpSpPr>
@@ -3249,7 +3335,9 @@
       <p:sp>
         <p:nvSpPr>
           <p:cNvPr id="33" name="Google Shape;33;p8"/>
-          <p:cNvSpPr txBox="1"/>
+          <p:cNvSpPr txBox="1">
+            <a:spLocks noGrp="1"/>
+          </p:cNvSpPr>
           <p:nvPr>
             <p:ph type="title"/>
           </p:nvPr>
@@ -3264,7 +3352,7 @@
           </a:prstGeom>
         </p:spPr>
         <p:txBody>
-          <a:bodyPr anchorCtr="0" anchor="ctr" bIns="91425" lIns="91425" spcFirstLastPara="1" rIns="91425" wrap="square" tIns="91425"/>
+          <a:bodyPr spcFirstLastPara="1" wrap="square" lIns="91425" tIns="91425" rIns="91425" bIns="91425" anchor="ctr" anchorCtr="0"/>
           <a:lstStyle>
             <a:lvl1pPr lvl="0">
               <a:spcBef>
@@ -3366,15 +3454,19 @@
               <a:defRPr sz="4800"/>
             </a:lvl9pPr>
           </a:lstStyle>
-          <a:p/>
+          <a:p>
+            <a:endParaRPr/>
+          </a:p>
         </p:txBody>
       </p:sp>
       <p:sp>
         <p:nvSpPr>
           <p:cNvPr id="34" name="Google Shape;34;p8"/>
-          <p:cNvSpPr txBox="1"/>
+          <p:cNvSpPr txBox="1">
+            <a:spLocks noGrp="1"/>
+          </p:cNvSpPr>
           <p:nvPr>
-            <p:ph idx="12" type="sldNum"/>
+            <p:ph type="sldNum" idx="12"/>
           </p:nvPr>
         </p:nvSpPr>
         <p:spPr>
@@ -3387,7 +3479,7 @@
           </a:prstGeom>
         </p:spPr>
         <p:txBody>
-          <a:bodyPr anchorCtr="0" anchor="ctr" bIns="91425" lIns="91425" spcFirstLastPara="1" rIns="91425" wrap="square" tIns="91425">
+          <a:bodyPr spcFirstLastPara="1" wrap="square" lIns="91425" tIns="91425" rIns="91425" bIns="91425" anchor="ctr" anchorCtr="0">
             <a:noAutofit/>
           </a:bodyPr>
           <a:lstStyle>
@@ -3429,7 +3521,7 @@
             </a:lvl9pPr>
           </a:lstStyle>
           <a:p>
-            <a:pPr indent="0" lvl="0" marL="0" rtl="0" algn="r">
+            <a:pPr marL="0" lvl="0" indent="0" algn="r" rtl="0">
               <a:spcBef>
                 <a:spcPts val="0"/>
               </a:spcBef>
@@ -3455,11 +3547,11 @@
 </file>
 
 <file path=ppt/slideLayouts/slideLayout8.xml><?xml version="1.0" encoding="utf-8"?>
-<p:sldLayout xmlns:a="http://schemas.openxmlformats.org/drawingml/2006/main" xmlns:r="http://schemas.openxmlformats.org/officeDocument/2006/relationships" xmlns:mc="http://schemas.openxmlformats.org/markup-compatibility/2006" xmlns:mv="urn:schemas-microsoft-com:mac:vml" xmlns:p="http://schemas.openxmlformats.org/presentationml/2006/main" xmlns:c="http://schemas.openxmlformats.org/drawingml/2006/chart" xmlns:dgm="http://schemas.openxmlformats.org/drawingml/2006/diagram" xmlns:o="urn:schemas-microsoft-com:office:office" xmlns:v="urn:schemas-microsoft-com:vml" xmlns:pvml="urn:schemas-microsoft-com:office:powerpoint" xmlns:com="http://schemas.openxmlformats.org/drawingml/2006/compatibility" xmlns:p14="http://schemas.microsoft.com/office/powerpoint/2010/main" xmlns:p15="http://schemas.microsoft.com/office/powerpoint/2012/main" matchingName="Section title and description">
+<p:sldLayout xmlns:a="http://schemas.openxmlformats.org/drawingml/2006/main" xmlns:r="http://schemas.openxmlformats.org/officeDocument/2006/relationships" xmlns:p="http://schemas.openxmlformats.org/presentationml/2006/main" matchingName="Section title and description">
   <p:cSld name="SECTION_TITLE_AND_DESCRIPTION">
     <p:spTree>
       <p:nvGrpSpPr>
-        <p:cNvPr id="35" name="Shape 35"/>
+        <p:cNvPr id="1" name="Shape 35"/>
         <p:cNvGrpSpPr/>
         <p:nvPr/>
       </p:nvGrpSpPr>
@@ -3493,12 +3585,12 @@
           </a:ln>
         </p:spPr>
         <p:txBody>
-          <a:bodyPr anchorCtr="0" anchor="ctr" bIns="91425" lIns="91425" spcFirstLastPara="1" rIns="91425" wrap="square" tIns="91425">
+          <a:bodyPr spcFirstLastPara="1" wrap="square" lIns="91425" tIns="91425" rIns="91425" bIns="91425" anchor="ctr" anchorCtr="0">
             <a:noAutofit/>
           </a:bodyPr>
           <a:lstStyle/>
           <a:p>
-            <a:pPr indent="0" lvl="0" marL="0" rtl="0" algn="l">
+            <a:pPr marL="0" lvl="0" indent="0" algn="l" rtl="0">
               <a:spcBef>
                 <a:spcPts val="0"/>
               </a:spcBef>
@@ -3507,9 +3599,6 @@
               </a:spcAft>
               <a:buNone/>
             </a:pPr>
-            <a:r>
-              <a:t/>
-            </a:r>
             <a:endParaRPr/>
           </a:p>
         </p:txBody>
@@ -3517,7 +3606,9 @@
       <p:sp>
         <p:nvSpPr>
           <p:cNvPr id="37" name="Google Shape;37;p9"/>
-          <p:cNvSpPr txBox="1"/>
+          <p:cNvSpPr txBox="1">
+            <a:spLocks noGrp="1"/>
+          </p:cNvSpPr>
           <p:nvPr>
             <p:ph type="title"/>
           </p:nvPr>
@@ -3532,7 +3623,7 @@
           </a:prstGeom>
         </p:spPr>
         <p:txBody>
-          <a:bodyPr anchorCtr="0" anchor="b" bIns="91425" lIns="91425" spcFirstLastPara="1" rIns="91425" wrap="square" tIns="91425"/>
+          <a:bodyPr spcFirstLastPara="1" wrap="square" lIns="91425" tIns="91425" rIns="91425" bIns="91425" anchor="b" anchorCtr="0"/>
           <a:lstStyle>
             <a:lvl1pPr lvl="0" algn="ctr">
               <a:spcBef>
@@ -3634,15 +3725,19 @@
               <a:defRPr sz="4200"/>
             </a:lvl9pPr>
           </a:lstStyle>
-          <a:p/>
+          <a:p>
+            <a:endParaRPr/>
+          </a:p>
         </p:txBody>
       </p:sp>
       <p:sp>
         <p:nvSpPr>
           <p:cNvPr id="38" name="Google Shape;38;p9"/>
-          <p:cNvSpPr txBox="1"/>
+          <p:cNvSpPr txBox="1">
+            <a:spLocks noGrp="1"/>
+          </p:cNvSpPr>
           <p:nvPr>
-            <p:ph idx="1" type="subTitle"/>
+            <p:ph type="subTitle" idx="1"/>
           </p:nvPr>
         </p:nvSpPr>
         <p:spPr>
@@ -3655,7 +3750,7 @@
           </a:prstGeom>
         </p:spPr>
         <p:txBody>
-          <a:bodyPr anchorCtr="0" anchor="t" bIns="91425" lIns="91425" spcFirstLastPara="1" rIns="91425" wrap="square" tIns="91425"/>
+          <a:bodyPr spcFirstLastPara="1" wrap="square" lIns="91425" tIns="91425" rIns="91425" bIns="91425" anchor="t" anchorCtr="0"/>
           <a:lstStyle>
             <a:lvl1pPr lvl="0" algn="ctr">
               <a:lnSpc>
@@ -3784,15 +3879,19 @@
               <a:defRPr sz="2100"/>
             </a:lvl9pPr>
           </a:lstStyle>
-          <a:p/>
+          <a:p>
+            <a:endParaRPr/>
+          </a:p>
         </p:txBody>
       </p:sp>
       <p:sp>
         <p:nvSpPr>
           <p:cNvPr id="39" name="Google Shape;39;p9"/>
-          <p:cNvSpPr txBox="1"/>
+          <p:cNvSpPr txBox="1">
+            <a:spLocks noGrp="1"/>
+          </p:cNvSpPr>
           <p:nvPr>
-            <p:ph idx="2" type="body"/>
+            <p:ph type="body" idx="2"/>
           </p:nvPr>
         </p:nvSpPr>
         <p:spPr>
@@ -3805,9 +3904,9 @@
           </a:prstGeom>
         </p:spPr>
         <p:txBody>
-          <a:bodyPr anchorCtr="0" anchor="ctr" bIns="91425" lIns="91425" spcFirstLastPara="1" rIns="91425" wrap="square" tIns="91425"/>
+          <a:bodyPr spcFirstLastPara="1" wrap="square" lIns="91425" tIns="91425" rIns="91425" bIns="91425" anchor="ctr" anchorCtr="0"/>
           <a:lstStyle>
-            <a:lvl1pPr indent="-342900" lvl="0" marL="457200">
+            <a:lvl1pPr marL="457200" lvl="0" indent="-342900">
               <a:spcBef>
                 <a:spcPts val="0"/>
               </a:spcBef>
@@ -3818,7 +3917,7 @@
               <a:buChar char="●"/>
               <a:defRPr/>
             </a:lvl1pPr>
-            <a:lvl2pPr indent="-317500" lvl="1" marL="914400">
+            <a:lvl2pPr marL="914400" lvl="1" indent="-317500">
               <a:spcBef>
                 <a:spcPts val="1600"/>
               </a:spcBef>
@@ -3829,7 +3928,7 @@
               <a:buChar char="○"/>
               <a:defRPr/>
             </a:lvl2pPr>
-            <a:lvl3pPr indent="-317500" lvl="2" marL="1371600">
+            <a:lvl3pPr marL="1371600" lvl="2" indent="-317500">
               <a:spcBef>
                 <a:spcPts val="1600"/>
               </a:spcBef>
@@ -3840,7 +3939,7 @@
               <a:buChar char="■"/>
               <a:defRPr/>
             </a:lvl3pPr>
-            <a:lvl4pPr indent="-317500" lvl="3" marL="1828800">
+            <a:lvl4pPr marL="1828800" lvl="3" indent="-317500">
               <a:spcBef>
                 <a:spcPts val="1600"/>
               </a:spcBef>
@@ -3851,7 +3950,7 @@
               <a:buChar char="●"/>
               <a:defRPr/>
             </a:lvl4pPr>
-            <a:lvl5pPr indent="-317500" lvl="4" marL="2286000">
+            <a:lvl5pPr marL="2286000" lvl="4" indent="-317500">
               <a:spcBef>
                 <a:spcPts val="1600"/>
               </a:spcBef>
@@ -3862,7 +3961,7 @@
               <a:buChar char="○"/>
               <a:defRPr/>
             </a:lvl5pPr>
-            <a:lvl6pPr indent="-317500" lvl="5" marL="2743200">
+            <a:lvl6pPr marL="2743200" lvl="5" indent="-317500">
               <a:spcBef>
                 <a:spcPts val="1600"/>
               </a:spcBef>
@@ -3873,7 +3972,7 @@
               <a:buChar char="■"/>
               <a:defRPr/>
             </a:lvl6pPr>
-            <a:lvl7pPr indent="-317500" lvl="6" marL="3200400">
+            <a:lvl7pPr marL="3200400" lvl="6" indent="-317500">
               <a:spcBef>
                 <a:spcPts val="1600"/>
               </a:spcBef>
@@ -3884,7 +3983,7 @@
               <a:buChar char="●"/>
               <a:defRPr/>
             </a:lvl7pPr>
-            <a:lvl8pPr indent="-317500" lvl="7" marL="3657600">
+            <a:lvl8pPr marL="3657600" lvl="7" indent="-317500">
               <a:spcBef>
                 <a:spcPts val="1600"/>
               </a:spcBef>
@@ -3895,7 +3994,7 @@
               <a:buChar char="○"/>
               <a:defRPr/>
             </a:lvl8pPr>
-            <a:lvl9pPr indent="-317500" lvl="8" marL="4114800">
+            <a:lvl9pPr marL="4114800" lvl="8" indent="-317500">
               <a:spcBef>
                 <a:spcPts val="1600"/>
               </a:spcBef>
@@ -3907,15 +4006,19 @@
               <a:defRPr/>
             </a:lvl9pPr>
           </a:lstStyle>
-          <a:p/>
+          <a:p>
+            <a:endParaRPr/>
+          </a:p>
         </p:txBody>
       </p:sp>
       <p:sp>
         <p:nvSpPr>
           <p:cNvPr id="40" name="Google Shape;40;p9"/>
-          <p:cNvSpPr txBox="1"/>
+          <p:cNvSpPr txBox="1">
+            <a:spLocks noGrp="1"/>
+          </p:cNvSpPr>
           <p:nvPr>
-            <p:ph idx="12" type="sldNum"/>
+            <p:ph type="sldNum" idx="12"/>
           </p:nvPr>
         </p:nvSpPr>
         <p:spPr>
@@ -3928,7 +4031,7 @@
           </a:prstGeom>
         </p:spPr>
         <p:txBody>
-          <a:bodyPr anchorCtr="0" anchor="ctr" bIns="91425" lIns="91425" spcFirstLastPara="1" rIns="91425" wrap="square" tIns="91425">
+          <a:bodyPr spcFirstLastPara="1" wrap="square" lIns="91425" tIns="91425" rIns="91425" bIns="91425" anchor="ctr" anchorCtr="0">
             <a:noAutofit/>
           </a:bodyPr>
           <a:lstStyle>
@@ -3970,7 +4073,7 @@
             </a:lvl9pPr>
           </a:lstStyle>
           <a:p>
-            <a:pPr indent="0" lvl="0" marL="0" rtl="0" algn="r">
+            <a:pPr marL="0" lvl="0" indent="0" algn="r" rtl="0">
               <a:spcBef>
                 <a:spcPts val="0"/>
               </a:spcBef>
@@ -3996,11 +4099,11 @@
 </file>
 
 <file path=ppt/slideLayouts/slideLayout9.xml><?xml version="1.0" encoding="utf-8"?>
-<p:sldLayout xmlns:a="http://schemas.openxmlformats.org/drawingml/2006/main" xmlns:r="http://schemas.openxmlformats.org/officeDocument/2006/relationships" xmlns:mc="http://schemas.openxmlformats.org/markup-compatibility/2006" xmlns:mv="urn:schemas-microsoft-com:mac:vml" xmlns:p="http://schemas.openxmlformats.org/presentationml/2006/main" xmlns:c="http://schemas.openxmlformats.org/drawingml/2006/chart" xmlns:dgm="http://schemas.openxmlformats.org/drawingml/2006/diagram" xmlns:o="urn:schemas-microsoft-com:office:office" xmlns:v="urn:schemas-microsoft-com:vml" xmlns:pvml="urn:schemas-microsoft-com:office:powerpoint" xmlns:com="http://schemas.openxmlformats.org/drawingml/2006/compatibility" xmlns:p14="http://schemas.microsoft.com/office/powerpoint/2010/main" xmlns:p15="http://schemas.microsoft.com/office/powerpoint/2012/main" matchingName="Caption">
+<p:sldLayout xmlns:a="http://schemas.openxmlformats.org/drawingml/2006/main" xmlns:r="http://schemas.openxmlformats.org/officeDocument/2006/relationships" xmlns:p="http://schemas.openxmlformats.org/presentationml/2006/main" matchingName="Caption">
   <p:cSld name="CAPTION_ONLY">
     <p:spTree>
       <p:nvGrpSpPr>
-        <p:cNvPr id="41" name="Shape 41"/>
+        <p:cNvPr id="1" name="Shape 41"/>
         <p:cNvGrpSpPr/>
         <p:nvPr/>
       </p:nvGrpSpPr>
@@ -4015,9 +4118,11 @@
       <p:sp>
         <p:nvSpPr>
           <p:cNvPr id="42" name="Google Shape;42;p10"/>
-          <p:cNvSpPr txBox="1"/>
+          <p:cNvSpPr txBox="1">
+            <a:spLocks noGrp="1"/>
+          </p:cNvSpPr>
           <p:nvPr>
-            <p:ph idx="1" type="body"/>
+            <p:ph type="body" idx="1"/>
           </p:nvPr>
         </p:nvSpPr>
         <p:spPr>
@@ -4030,9 +4135,9 @@
           </a:prstGeom>
         </p:spPr>
         <p:txBody>
-          <a:bodyPr anchorCtr="0" anchor="ctr" bIns="91425" lIns="91425" spcFirstLastPara="1" rIns="91425" wrap="square" tIns="91425"/>
+          <a:bodyPr spcFirstLastPara="1" wrap="square" lIns="91425" tIns="91425" rIns="91425" bIns="91425" anchor="ctr" anchorCtr="0"/>
           <a:lstStyle>
-            <a:lvl1pPr indent="-228600" lvl="0" marL="457200">
+            <a:lvl1pPr marL="457200" lvl="0" indent="-228600">
               <a:lnSpc>
                 <a:spcPct val="100000"/>
               </a:lnSpc>
@@ -4047,15 +4152,19 @@
               <a:defRPr/>
             </a:lvl1pPr>
           </a:lstStyle>
-          <a:p/>
+          <a:p>
+            <a:endParaRPr/>
+          </a:p>
         </p:txBody>
       </p:sp>
       <p:sp>
         <p:nvSpPr>
           <p:cNvPr id="43" name="Google Shape;43;p10"/>
-          <p:cNvSpPr txBox="1"/>
+          <p:cNvSpPr txBox="1">
+            <a:spLocks noGrp="1"/>
+          </p:cNvSpPr>
           <p:nvPr>
-            <p:ph idx="12" type="sldNum"/>
+            <p:ph type="sldNum" idx="12"/>
           </p:nvPr>
         </p:nvSpPr>
         <p:spPr>
@@ -4068,7 +4177,7 @@
           </a:prstGeom>
         </p:spPr>
         <p:txBody>
-          <a:bodyPr anchorCtr="0" anchor="ctr" bIns="91425" lIns="91425" spcFirstLastPara="1" rIns="91425" wrap="square" tIns="91425">
+          <a:bodyPr spcFirstLastPara="1" wrap="square" lIns="91425" tIns="91425" rIns="91425" bIns="91425" anchor="ctr" anchorCtr="0">
             <a:noAutofit/>
           </a:bodyPr>
           <a:lstStyle>
@@ -4110,7 +4219,7 @@
             </a:lvl9pPr>
           </a:lstStyle>
           <a:p>
-            <a:pPr indent="0" lvl="0" marL="0" rtl="0" algn="r">
+            <a:pPr marL="0" lvl="0" indent="0" algn="r" rtl="0">
               <a:spcBef>
                 <a:spcPts val="0"/>
               </a:spcBef>
@@ -4136,18 +4245,19 @@
 </file>
 
 <file path=ppt/slideMasters/slideMaster1.xml><?xml version="1.0" encoding="utf-8"?>
-<p:sldMaster xmlns:a="http://schemas.openxmlformats.org/drawingml/2006/main" xmlns:r="http://schemas.openxmlformats.org/officeDocument/2006/relationships" xmlns:mc="http://schemas.openxmlformats.org/markup-compatibility/2006" xmlns:mv="urn:schemas-microsoft-com:mac:vml" xmlns:p="http://schemas.openxmlformats.org/presentationml/2006/main" xmlns:c="http://schemas.openxmlformats.org/drawingml/2006/chart" xmlns:dgm="http://schemas.openxmlformats.org/drawingml/2006/diagram" xmlns:o="urn:schemas-microsoft-com:office:office" xmlns:v="urn:schemas-microsoft-com:vml" xmlns:pvml="urn:schemas-microsoft-com:office:powerpoint" xmlns:com="http://schemas.openxmlformats.org/drawingml/2006/compatibility" xmlns:p14="http://schemas.microsoft.com/office/powerpoint/2010/main" xmlns:p15="http://schemas.microsoft.com/office/powerpoint/2012/main">
+<p:sldMaster xmlns:a="http://schemas.openxmlformats.org/drawingml/2006/main" xmlns:r="http://schemas.openxmlformats.org/officeDocument/2006/relationships" xmlns:p="http://schemas.openxmlformats.org/presentationml/2006/main">
   <p:cSld name="simple-light-2">
     <p:bg>
       <p:bgPr>
         <a:solidFill>
           <a:schemeClr val="lt1"/>
         </a:solidFill>
+        <a:effectLst/>
       </p:bgPr>
     </p:bg>
     <p:spTree>
       <p:nvGrpSpPr>
-        <p:cNvPr id="5" name="Shape 5"/>
+        <p:cNvPr id="1" name="Shape 5"/>
         <p:cNvGrpSpPr/>
         <p:nvPr/>
       </p:nvGrpSpPr>
@@ -4162,7 +4272,9 @@
       <p:sp>
         <p:nvSpPr>
           <p:cNvPr id="6" name="Google Shape;6;p1"/>
-          <p:cNvSpPr txBox="1"/>
+          <p:cNvSpPr txBox="1">
+            <a:spLocks noGrp="1"/>
+          </p:cNvSpPr>
           <p:nvPr>
             <p:ph type="title"/>
           </p:nvPr>
@@ -4181,7 +4293,7 @@
           </a:ln>
         </p:spPr>
         <p:txBody>
-          <a:bodyPr anchorCtr="0" anchor="t" bIns="91425" lIns="91425" spcFirstLastPara="1" rIns="91425" wrap="square" tIns="91425"/>
+          <a:bodyPr spcFirstLastPara="1" wrap="square" lIns="91425" tIns="91425" rIns="91425" bIns="91425" anchor="t" anchorCtr="0"/>
           <a:lstStyle>
             <a:lvl1pPr lvl="0">
               <a:spcBef>
@@ -4346,15 +4458,19 @@
               </a:defRPr>
             </a:lvl9pPr>
           </a:lstStyle>
-          <a:p/>
+          <a:p>
+            <a:endParaRPr/>
+          </a:p>
         </p:txBody>
       </p:sp>
       <p:sp>
         <p:nvSpPr>
           <p:cNvPr id="7" name="Google Shape;7;p1"/>
-          <p:cNvSpPr txBox="1"/>
+          <p:cNvSpPr txBox="1">
+            <a:spLocks noGrp="1"/>
+          </p:cNvSpPr>
           <p:nvPr>
-            <p:ph idx="1" type="body"/>
+            <p:ph type="body" idx="1"/>
           </p:nvPr>
         </p:nvSpPr>
         <p:spPr>
@@ -4371,9 +4487,9 @@
           </a:ln>
         </p:spPr>
         <p:txBody>
-          <a:bodyPr anchorCtr="0" anchor="t" bIns="91425" lIns="91425" spcFirstLastPara="1" rIns="91425" wrap="square" tIns="91425"/>
+          <a:bodyPr spcFirstLastPara="1" wrap="square" lIns="91425" tIns="91425" rIns="91425" bIns="91425" anchor="t" anchorCtr="0"/>
           <a:lstStyle>
-            <a:lvl1pPr indent="-342900" lvl="0" marL="457200">
+            <a:lvl1pPr marL="457200" lvl="0" indent="-342900">
               <a:lnSpc>
                 <a:spcPct val="115000"/>
               </a:lnSpc>
@@ -4394,7 +4510,7 @@
                 </a:solidFill>
               </a:defRPr>
             </a:lvl1pPr>
-            <a:lvl2pPr indent="-317500" lvl="1" marL="914400">
+            <a:lvl2pPr marL="914400" lvl="1" indent="-317500">
               <a:lnSpc>
                 <a:spcPct val="115000"/>
               </a:lnSpc>
@@ -4415,7 +4531,7 @@
                 </a:solidFill>
               </a:defRPr>
             </a:lvl2pPr>
-            <a:lvl3pPr indent="-317500" lvl="2" marL="1371600">
+            <a:lvl3pPr marL="1371600" lvl="2" indent="-317500">
               <a:lnSpc>
                 <a:spcPct val="115000"/>
               </a:lnSpc>
@@ -4436,7 +4552,7 @@
                 </a:solidFill>
               </a:defRPr>
             </a:lvl3pPr>
-            <a:lvl4pPr indent="-317500" lvl="3" marL="1828800">
+            <a:lvl4pPr marL="1828800" lvl="3" indent="-317500">
               <a:lnSpc>
                 <a:spcPct val="115000"/>
               </a:lnSpc>
@@ -4457,7 +4573,7 @@
                 </a:solidFill>
               </a:defRPr>
             </a:lvl4pPr>
-            <a:lvl5pPr indent="-317500" lvl="4" marL="2286000">
+            <a:lvl5pPr marL="2286000" lvl="4" indent="-317500">
               <a:lnSpc>
                 <a:spcPct val="115000"/>
               </a:lnSpc>
@@ -4478,7 +4594,7 @@
                 </a:solidFill>
               </a:defRPr>
             </a:lvl5pPr>
-            <a:lvl6pPr indent="-317500" lvl="5" marL="2743200">
+            <a:lvl6pPr marL="2743200" lvl="5" indent="-317500">
               <a:lnSpc>
                 <a:spcPct val="115000"/>
               </a:lnSpc>
@@ -4499,7 +4615,7 @@
                 </a:solidFill>
               </a:defRPr>
             </a:lvl6pPr>
-            <a:lvl7pPr indent="-317500" lvl="6" marL="3200400">
+            <a:lvl7pPr marL="3200400" lvl="6" indent="-317500">
               <a:lnSpc>
                 <a:spcPct val="115000"/>
               </a:lnSpc>
@@ -4520,7 +4636,7 @@
                 </a:solidFill>
               </a:defRPr>
             </a:lvl7pPr>
-            <a:lvl8pPr indent="-317500" lvl="7" marL="3657600">
+            <a:lvl8pPr marL="3657600" lvl="7" indent="-317500">
               <a:lnSpc>
                 <a:spcPct val="115000"/>
               </a:lnSpc>
@@ -4541,7 +4657,7 @@
                 </a:solidFill>
               </a:defRPr>
             </a:lvl8pPr>
-            <a:lvl9pPr indent="-317500" lvl="8" marL="4114800">
+            <a:lvl9pPr marL="4114800" lvl="8" indent="-317500">
               <a:lnSpc>
                 <a:spcPct val="115000"/>
               </a:lnSpc>
@@ -4563,15 +4679,19 @@
               </a:defRPr>
             </a:lvl9pPr>
           </a:lstStyle>
-          <a:p/>
+          <a:p>
+            <a:endParaRPr/>
+          </a:p>
         </p:txBody>
       </p:sp>
       <p:sp>
         <p:nvSpPr>
           <p:cNvPr id="8" name="Google Shape;8;p1"/>
-          <p:cNvSpPr txBox="1"/>
+          <p:cNvSpPr txBox="1">
+            <a:spLocks noGrp="1"/>
+          </p:cNvSpPr>
           <p:nvPr>
-            <p:ph idx="12" type="sldNum"/>
+            <p:ph type="sldNum" idx="12"/>
           </p:nvPr>
         </p:nvSpPr>
         <p:spPr>
@@ -4588,7 +4708,7 @@
           </a:ln>
         </p:spPr>
         <p:txBody>
-          <a:bodyPr anchorCtr="0" anchor="ctr" bIns="91425" lIns="91425" spcFirstLastPara="1" rIns="91425" wrap="square" tIns="91425">
+          <a:bodyPr spcFirstLastPara="1" wrap="square" lIns="91425" tIns="91425" rIns="91425" bIns="91425" anchor="ctr" anchorCtr="0">
             <a:noAutofit/>
           </a:bodyPr>
           <a:lstStyle>
@@ -4666,7 +4786,7 @@
             </a:lvl9pPr>
           </a:lstStyle>
           <a:p>
-            <a:pPr indent="0" lvl="0" marL="0" rtl="0" algn="r">
+            <a:pPr marL="0" lvl="0" indent="0" algn="r" rtl="0">
               <a:spcBef>
                 <a:spcPts val="0"/>
               </a:spcBef>
@@ -4685,7 +4805,7 @@
       </p:sp>
     </p:spTree>
   </p:cSld>
-  <p:clrMap accent1="accent1" accent2="accent2" accent3="accent3" accent4="accent4" accent5="accent5" accent6="accent6" bg1="lt1" bg2="dk2" tx1="dk1" tx2="lt2" folHlink="folHlink" hlink="hlink"/>
+  <p:clrMap bg1="lt1" tx1="dk1" bg2="dk2" tx2="lt2" accent1="accent1" accent2="accent2" accent3="accent3" accent4="accent4" accent5="accent5" accent6="accent6" hlink="hlink" folHlink="folHlink"/>
   <p:sldLayoutIdLst>
     <p:sldLayoutId id="2147483648" r:id="rId1"/>
     <p:sldLayoutId id="2147483649" r:id="rId2"/>
@@ -4699,10 +4819,10 @@
     <p:sldLayoutId id="2147483657" r:id="rId10"/>
     <p:sldLayoutId id="2147483658" r:id="rId11"/>
   </p:sldLayoutIdLst>
-  <p:hf dt="0" ftr="0" hdr="0" sldNum="0"/>
+  <p:hf sldNum="0" hdr="0" ftr="0" dt="0"/>
   <p:txStyles>
     <p:titleStyle>
-      <a:defPPr lvl="0" marR="0" rtl="0" algn="l">
+      <a:defPPr marR="0" lvl="0" algn="l" rtl="0">
         <a:lnSpc>
           <a:spcPct val="100000"/>
         </a:lnSpc>
@@ -4713,7 +4833,7 @@
           <a:spcPts val="0"/>
         </a:spcAft>
       </a:defPPr>
-      <a:lvl1pPr lvl="0" marR="0" rtl="0" algn="l">
+      <a:lvl1pPr marR="0" lvl="0" algn="l" rtl="0">
         <a:lnSpc>
           <a:spcPct val="100000"/>
         </a:lnSpc>
@@ -4727,7 +4847,7 @@
           <a:srgbClr val="000000"/>
         </a:buClr>
         <a:buFont typeface="Arial"/>
-        <a:defRPr b="0" i="0" sz="1400" u="none" cap="none" strike="noStrike">
+        <a:defRPr sz="1400" b="0" i="0" u="none" strike="noStrike" cap="none">
           <a:solidFill>
             <a:srgbClr val="000000"/>
           </a:solidFill>
@@ -4737,7 +4857,7 @@
           <a:sym typeface="Arial"/>
         </a:defRPr>
       </a:lvl1pPr>
-      <a:lvl2pPr lvl="1" marR="0" rtl="0" algn="l">
+      <a:lvl2pPr marR="0" lvl="1" algn="l" rtl="0">
         <a:lnSpc>
           <a:spcPct val="100000"/>
         </a:lnSpc>
@@ -4751,7 +4871,7 @@
           <a:srgbClr val="000000"/>
         </a:buClr>
         <a:buFont typeface="Arial"/>
-        <a:defRPr b="0" i="0" sz="1400" u="none" cap="none" strike="noStrike">
+        <a:defRPr sz="1400" b="0" i="0" u="none" strike="noStrike" cap="none">
           <a:solidFill>
             <a:srgbClr val="000000"/>
           </a:solidFill>
@@ -4761,7 +4881,7 @@
           <a:sym typeface="Arial"/>
         </a:defRPr>
       </a:lvl2pPr>
-      <a:lvl3pPr lvl="2" marR="0" rtl="0" algn="l">
+      <a:lvl3pPr marR="0" lvl="2" algn="l" rtl="0">
         <a:lnSpc>
           <a:spcPct val="100000"/>
         </a:lnSpc>
@@ -4775,7 +4895,7 @@
           <a:srgbClr val="000000"/>
         </a:buClr>
         <a:buFont typeface="Arial"/>
-        <a:defRPr b="0" i="0" sz="1400" u="none" cap="none" strike="noStrike">
+        <a:defRPr sz="1400" b="0" i="0" u="none" strike="noStrike" cap="none">
           <a:solidFill>
             <a:srgbClr val="000000"/>
           </a:solidFill>
@@ -4785,7 +4905,7 @@
           <a:sym typeface="Arial"/>
         </a:defRPr>
       </a:lvl3pPr>
-      <a:lvl4pPr lvl="3" marR="0" rtl="0" algn="l">
+      <a:lvl4pPr marR="0" lvl="3" algn="l" rtl="0">
         <a:lnSpc>
           <a:spcPct val="100000"/>
         </a:lnSpc>
@@ -4799,7 +4919,7 @@
           <a:srgbClr val="000000"/>
         </a:buClr>
         <a:buFont typeface="Arial"/>
-        <a:defRPr b="0" i="0" sz="1400" u="none" cap="none" strike="noStrike">
+        <a:defRPr sz="1400" b="0" i="0" u="none" strike="noStrike" cap="none">
           <a:solidFill>
             <a:srgbClr val="000000"/>
           </a:solidFill>
@@ -4809,7 +4929,7 @@
           <a:sym typeface="Arial"/>
         </a:defRPr>
       </a:lvl4pPr>
-      <a:lvl5pPr lvl="4" marR="0" rtl="0" algn="l">
+      <a:lvl5pPr marR="0" lvl="4" algn="l" rtl="0">
         <a:lnSpc>
           <a:spcPct val="100000"/>
         </a:lnSpc>
@@ -4823,7 +4943,7 @@
           <a:srgbClr val="000000"/>
         </a:buClr>
         <a:buFont typeface="Arial"/>
-        <a:defRPr b="0" i="0" sz="1400" u="none" cap="none" strike="noStrike">
+        <a:defRPr sz="1400" b="0" i="0" u="none" strike="noStrike" cap="none">
           <a:solidFill>
             <a:srgbClr val="000000"/>
           </a:solidFill>
@@ -4833,7 +4953,7 @@
           <a:sym typeface="Arial"/>
         </a:defRPr>
       </a:lvl5pPr>
-      <a:lvl6pPr lvl="5" marR="0" rtl="0" algn="l">
+      <a:lvl6pPr marR="0" lvl="5" algn="l" rtl="0">
         <a:lnSpc>
           <a:spcPct val="100000"/>
         </a:lnSpc>
@@ -4847,7 +4967,7 @@
           <a:srgbClr val="000000"/>
         </a:buClr>
         <a:buFont typeface="Arial"/>
-        <a:defRPr b="0" i="0" sz="1400" u="none" cap="none" strike="noStrike">
+        <a:defRPr sz="1400" b="0" i="0" u="none" strike="noStrike" cap="none">
           <a:solidFill>
             <a:srgbClr val="000000"/>
           </a:solidFill>
@@ -4857,7 +4977,7 @@
           <a:sym typeface="Arial"/>
         </a:defRPr>
       </a:lvl6pPr>
-      <a:lvl7pPr lvl="6" marR="0" rtl="0" algn="l">
+      <a:lvl7pPr marR="0" lvl="6" algn="l" rtl="0">
         <a:lnSpc>
           <a:spcPct val="100000"/>
         </a:lnSpc>
@@ -4871,7 +4991,7 @@
           <a:srgbClr val="000000"/>
         </a:buClr>
         <a:buFont typeface="Arial"/>
-        <a:defRPr b="0" i="0" sz="1400" u="none" cap="none" strike="noStrike">
+        <a:defRPr sz="1400" b="0" i="0" u="none" strike="noStrike" cap="none">
           <a:solidFill>
             <a:srgbClr val="000000"/>
           </a:solidFill>
@@ -4881,7 +5001,7 @@
           <a:sym typeface="Arial"/>
         </a:defRPr>
       </a:lvl7pPr>
-      <a:lvl8pPr lvl="7" marR="0" rtl="0" algn="l">
+      <a:lvl8pPr marR="0" lvl="7" algn="l" rtl="0">
         <a:lnSpc>
           <a:spcPct val="100000"/>
         </a:lnSpc>
@@ -4895,7 +5015,7 @@
           <a:srgbClr val="000000"/>
         </a:buClr>
         <a:buFont typeface="Arial"/>
-        <a:defRPr b="0" i="0" sz="1400" u="none" cap="none" strike="noStrike">
+        <a:defRPr sz="1400" b="0" i="0" u="none" strike="noStrike" cap="none">
           <a:solidFill>
             <a:srgbClr val="000000"/>
           </a:solidFill>
@@ -4905,7 +5025,7 @@
           <a:sym typeface="Arial"/>
         </a:defRPr>
       </a:lvl8pPr>
-      <a:lvl9pPr lvl="8" marR="0" rtl="0" algn="l">
+      <a:lvl9pPr marR="0" lvl="8" algn="l" rtl="0">
         <a:lnSpc>
           <a:spcPct val="100000"/>
         </a:lnSpc>
@@ -4919,7 +5039,7 @@
           <a:srgbClr val="000000"/>
         </a:buClr>
         <a:buFont typeface="Arial"/>
-        <a:defRPr b="0" i="0" sz="1400" u="none" cap="none" strike="noStrike">
+        <a:defRPr sz="1400" b="0" i="0" u="none" strike="noStrike" cap="none">
           <a:solidFill>
             <a:srgbClr val="000000"/>
           </a:solidFill>
@@ -4931,7 +5051,7 @@
       </a:lvl9pPr>
     </p:titleStyle>
     <p:bodyStyle>
-      <a:defPPr lvl="0" marR="0" rtl="0" algn="l">
+      <a:defPPr marR="0" lvl="0" algn="l" rtl="0">
         <a:lnSpc>
           <a:spcPct val="100000"/>
         </a:lnSpc>
@@ -4942,7 +5062,7 @@
           <a:spcPts val="0"/>
         </a:spcAft>
       </a:defPPr>
-      <a:lvl1pPr lvl="0" marR="0" rtl="0" algn="l">
+      <a:lvl1pPr marR="0" lvl="0" algn="l" rtl="0">
         <a:lnSpc>
           <a:spcPct val="100000"/>
         </a:lnSpc>
@@ -4956,7 +5076,7 @@
           <a:srgbClr val="000000"/>
         </a:buClr>
         <a:buFont typeface="Arial"/>
-        <a:defRPr b="0" i="0" sz="1400" u="none" cap="none" strike="noStrike">
+        <a:defRPr sz="1400" b="0" i="0" u="none" strike="noStrike" cap="none">
           <a:solidFill>
             <a:srgbClr val="000000"/>
           </a:solidFill>
@@ -4966,7 +5086,7 @@
           <a:sym typeface="Arial"/>
         </a:defRPr>
       </a:lvl1pPr>
-      <a:lvl2pPr lvl="1" marR="0" rtl="0" algn="l">
+      <a:lvl2pPr marR="0" lvl="1" algn="l" rtl="0">
         <a:lnSpc>
           <a:spcPct val="100000"/>
         </a:lnSpc>
@@ -4980,7 +5100,7 @@
           <a:srgbClr val="000000"/>
         </a:buClr>
         <a:buFont typeface="Arial"/>
-        <a:defRPr b="0" i="0" sz="1400" u="none" cap="none" strike="noStrike">
+        <a:defRPr sz="1400" b="0" i="0" u="none" strike="noStrike" cap="none">
           <a:solidFill>
             <a:srgbClr val="000000"/>
           </a:solidFill>
@@ -4990,7 +5110,7 @@
           <a:sym typeface="Arial"/>
         </a:defRPr>
       </a:lvl2pPr>
-      <a:lvl3pPr lvl="2" marR="0" rtl="0" algn="l">
+      <a:lvl3pPr marR="0" lvl="2" algn="l" rtl="0">
         <a:lnSpc>
           <a:spcPct val="100000"/>
         </a:lnSpc>
@@ -5004,7 +5124,7 @@
           <a:srgbClr val="000000"/>
         </a:buClr>
         <a:buFont typeface="Arial"/>
-        <a:defRPr b="0" i="0" sz="1400" u="none" cap="none" strike="noStrike">
+        <a:defRPr sz="1400" b="0" i="0" u="none" strike="noStrike" cap="none">
           <a:solidFill>
             <a:srgbClr val="000000"/>
           </a:solidFill>
@@ -5014,7 +5134,7 @@
           <a:sym typeface="Arial"/>
         </a:defRPr>
       </a:lvl3pPr>
-      <a:lvl4pPr lvl="3" marR="0" rtl="0" algn="l">
+      <a:lvl4pPr marR="0" lvl="3" algn="l" rtl="0">
         <a:lnSpc>
           <a:spcPct val="100000"/>
         </a:lnSpc>
@@ -5028,7 +5148,7 @@
           <a:srgbClr val="000000"/>
         </a:buClr>
         <a:buFont typeface="Arial"/>
-        <a:defRPr b="0" i="0" sz="1400" u="none" cap="none" strike="noStrike">
+        <a:defRPr sz="1400" b="0" i="0" u="none" strike="noStrike" cap="none">
           <a:solidFill>
             <a:srgbClr val="000000"/>
           </a:solidFill>
@@ -5038,7 +5158,7 @@
           <a:sym typeface="Arial"/>
         </a:defRPr>
       </a:lvl4pPr>
-      <a:lvl5pPr lvl="4" marR="0" rtl="0" algn="l">
+      <a:lvl5pPr marR="0" lvl="4" algn="l" rtl="0">
         <a:lnSpc>
           <a:spcPct val="100000"/>
         </a:lnSpc>
@@ -5052,7 +5172,7 @@
           <a:srgbClr val="000000"/>
         </a:buClr>
         <a:buFont typeface="Arial"/>
-        <a:defRPr b="0" i="0" sz="1400" u="none" cap="none" strike="noStrike">
+        <a:defRPr sz="1400" b="0" i="0" u="none" strike="noStrike" cap="none">
           <a:solidFill>
             <a:srgbClr val="000000"/>
           </a:solidFill>
@@ -5062,7 +5182,7 @@
           <a:sym typeface="Arial"/>
         </a:defRPr>
       </a:lvl5pPr>
-      <a:lvl6pPr lvl="5" marR="0" rtl="0" algn="l">
+      <a:lvl6pPr marR="0" lvl="5" algn="l" rtl="0">
         <a:lnSpc>
           <a:spcPct val="100000"/>
         </a:lnSpc>
@@ -5076,7 +5196,7 @@
           <a:srgbClr val="000000"/>
         </a:buClr>
         <a:buFont typeface="Arial"/>
-        <a:defRPr b="0" i="0" sz="1400" u="none" cap="none" strike="noStrike">
+        <a:defRPr sz="1400" b="0" i="0" u="none" strike="noStrike" cap="none">
           <a:solidFill>
             <a:srgbClr val="000000"/>
           </a:solidFill>
@@ -5086,7 +5206,7 @@
           <a:sym typeface="Arial"/>
         </a:defRPr>
       </a:lvl6pPr>
-      <a:lvl7pPr lvl="6" marR="0" rtl="0" algn="l">
+      <a:lvl7pPr marR="0" lvl="6" algn="l" rtl="0">
         <a:lnSpc>
           <a:spcPct val="100000"/>
         </a:lnSpc>
@@ -5100,7 +5220,7 @@
           <a:srgbClr val="000000"/>
         </a:buClr>
         <a:buFont typeface="Arial"/>
-        <a:defRPr b="0" i="0" sz="1400" u="none" cap="none" strike="noStrike">
+        <a:defRPr sz="1400" b="0" i="0" u="none" strike="noStrike" cap="none">
           <a:solidFill>
             <a:srgbClr val="000000"/>
           </a:solidFill>
@@ -5110,7 +5230,7 @@
           <a:sym typeface="Arial"/>
         </a:defRPr>
       </a:lvl7pPr>
-      <a:lvl8pPr lvl="7" marR="0" rtl="0" algn="l">
+      <a:lvl8pPr marR="0" lvl="7" algn="l" rtl="0">
         <a:lnSpc>
           <a:spcPct val="100000"/>
         </a:lnSpc>
@@ -5124,7 +5244,7 @@
           <a:srgbClr val="000000"/>
         </a:buClr>
         <a:buFont typeface="Arial"/>
-        <a:defRPr b="0" i="0" sz="1400" u="none" cap="none" strike="noStrike">
+        <a:defRPr sz="1400" b="0" i="0" u="none" strike="noStrike" cap="none">
           <a:solidFill>
             <a:srgbClr val="000000"/>
           </a:solidFill>
@@ -5134,7 +5254,7 @@
           <a:sym typeface="Arial"/>
         </a:defRPr>
       </a:lvl8pPr>
-      <a:lvl9pPr lvl="8" marR="0" rtl="0" algn="l">
+      <a:lvl9pPr marR="0" lvl="8" algn="l" rtl="0">
         <a:lnSpc>
           <a:spcPct val="100000"/>
         </a:lnSpc>
@@ -5148,7 +5268,7 @@
           <a:srgbClr val="000000"/>
         </a:buClr>
         <a:buFont typeface="Arial"/>
-        <a:defRPr b="0" i="0" sz="1400" u="none" cap="none" strike="noStrike">
+        <a:defRPr sz="1400" b="0" i="0" u="none" strike="noStrike" cap="none">
           <a:solidFill>
             <a:srgbClr val="000000"/>
           </a:solidFill>
@@ -5160,7 +5280,7 @@
       </a:lvl9pPr>
     </p:bodyStyle>
     <p:otherStyle>
-      <a:defPPr lvl="0" marR="0" rtl="0" algn="l">
+      <a:defPPr marR="0" lvl="0" algn="l" rtl="0">
         <a:lnSpc>
           <a:spcPct val="100000"/>
         </a:lnSpc>
@@ -5171,7 +5291,7 @@
           <a:spcPts val="0"/>
         </a:spcAft>
       </a:defPPr>
-      <a:lvl1pPr lvl="0" marR="0" rtl="0" algn="l">
+      <a:lvl1pPr marR="0" lvl="0" algn="l" rtl="0">
         <a:lnSpc>
           <a:spcPct val="100000"/>
         </a:lnSpc>
@@ -5185,7 +5305,7 @@
           <a:srgbClr val="000000"/>
         </a:buClr>
         <a:buFont typeface="Arial"/>
-        <a:defRPr b="0" i="0" sz="1400" u="none" cap="none" strike="noStrike">
+        <a:defRPr sz="1400" b="0" i="0" u="none" strike="noStrike" cap="none">
           <a:solidFill>
             <a:srgbClr val="000000"/>
           </a:solidFill>
@@ -5195,7 +5315,7 @@
           <a:sym typeface="Arial"/>
         </a:defRPr>
       </a:lvl1pPr>
-      <a:lvl2pPr lvl="1" marR="0" rtl="0" algn="l">
+      <a:lvl2pPr marR="0" lvl="1" algn="l" rtl="0">
         <a:lnSpc>
           <a:spcPct val="100000"/>
         </a:lnSpc>
@@ -5209,7 +5329,7 @@
           <a:srgbClr val="000000"/>
         </a:buClr>
         <a:buFont typeface="Arial"/>
-        <a:defRPr b="0" i="0" sz="1400" u="none" cap="none" strike="noStrike">
+        <a:defRPr sz="1400" b="0" i="0" u="none" strike="noStrike" cap="none">
           <a:solidFill>
             <a:srgbClr val="000000"/>
           </a:solidFill>
@@ -5219,7 +5339,7 @@
           <a:sym typeface="Arial"/>
         </a:defRPr>
       </a:lvl2pPr>
-      <a:lvl3pPr lvl="2" marR="0" rtl="0" algn="l">
+      <a:lvl3pPr marR="0" lvl="2" algn="l" rtl="0">
         <a:lnSpc>
           <a:spcPct val="100000"/>
         </a:lnSpc>
@@ -5233,7 +5353,7 @@
           <a:srgbClr val="000000"/>
         </a:buClr>
         <a:buFont typeface="Arial"/>
-        <a:defRPr b="0" i="0" sz="1400" u="none" cap="none" strike="noStrike">
+        <a:defRPr sz="1400" b="0" i="0" u="none" strike="noStrike" cap="none">
           <a:solidFill>
             <a:srgbClr val="000000"/>
           </a:solidFill>
@@ -5243,7 +5363,7 @@
           <a:sym typeface="Arial"/>
         </a:defRPr>
       </a:lvl3pPr>
-      <a:lvl4pPr lvl="3" marR="0" rtl="0" algn="l">
+      <a:lvl4pPr marR="0" lvl="3" algn="l" rtl="0">
         <a:lnSpc>
           <a:spcPct val="100000"/>
         </a:lnSpc>
@@ -5257,7 +5377,7 @@
           <a:srgbClr val="000000"/>
         </a:buClr>
         <a:buFont typeface="Arial"/>
-        <a:defRPr b="0" i="0" sz="1400" u="none" cap="none" strike="noStrike">
+        <a:defRPr sz="1400" b="0" i="0" u="none" strike="noStrike" cap="none">
           <a:solidFill>
             <a:srgbClr val="000000"/>
           </a:solidFill>
@@ -5267,7 +5387,7 @@
           <a:sym typeface="Arial"/>
         </a:defRPr>
       </a:lvl4pPr>
-      <a:lvl5pPr lvl="4" marR="0" rtl="0" algn="l">
+      <a:lvl5pPr marR="0" lvl="4" algn="l" rtl="0">
         <a:lnSpc>
           <a:spcPct val="100000"/>
         </a:lnSpc>
@@ -5281,7 +5401,7 @@
           <a:srgbClr val="000000"/>
         </a:buClr>
         <a:buFont typeface="Arial"/>
-        <a:defRPr b="0" i="0" sz="1400" u="none" cap="none" strike="noStrike">
+        <a:defRPr sz="1400" b="0" i="0" u="none" strike="noStrike" cap="none">
           <a:solidFill>
             <a:srgbClr val="000000"/>
           </a:solidFill>
@@ -5291,7 +5411,7 @@
           <a:sym typeface="Arial"/>
         </a:defRPr>
       </a:lvl5pPr>
-      <a:lvl6pPr lvl="5" marR="0" rtl="0" algn="l">
+      <a:lvl6pPr marR="0" lvl="5" algn="l" rtl="0">
         <a:lnSpc>
           <a:spcPct val="100000"/>
         </a:lnSpc>
@@ -5305,7 +5425,7 @@
           <a:srgbClr val="000000"/>
         </a:buClr>
         <a:buFont typeface="Arial"/>
-        <a:defRPr b="0" i="0" sz="1400" u="none" cap="none" strike="noStrike">
+        <a:defRPr sz="1400" b="0" i="0" u="none" strike="noStrike" cap="none">
           <a:solidFill>
             <a:srgbClr val="000000"/>
           </a:solidFill>
@@ -5315,7 +5435,7 @@
           <a:sym typeface="Arial"/>
         </a:defRPr>
       </a:lvl6pPr>
-      <a:lvl7pPr lvl="6" marR="0" rtl="0" algn="l">
+      <a:lvl7pPr marR="0" lvl="6" algn="l" rtl="0">
         <a:lnSpc>
           <a:spcPct val="100000"/>
         </a:lnSpc>
@@ -5329,7 +5449,7 @@
           <a:srgbClr val="000000"/>
         </a:buClr>
         <a:buFont typeface="Arial"/>
-        <a:defRPr b="0" i="0" sz="1400" u="none" cap="none" strike="noStrike">
+        <a:defRPr sz="1400" b="0" i="0" u="none" strike="noStrike" cap="none">
           <a:solidFill>
             <a:srgbClr val="000000"/>
           </a:solidFill>
@@ -5339,7 +5459,7 @@
           <a:sym typeface="Arial"/>
         </a:defRPr>
       </a:lvl7pPr>
-      <a:lvl8pPr lvl="7" marR="0" rtl="0" algn="l">
+      <a:lvl8pPr marR="0" lvl="7" algn="l" rtl="0">
         <a:lnSpc>
           <a:spcPct val="100000"/>
         </a:lnSpc>
@@ -5353,7 +5473,7 @@
           <a:srgbClr val="000000"/>
         </a:buClr>
         <a:buFont typeface="Arial"/>
-        <a:defRPr b="0" i="0" sz="1400" u="none" cap="none" strike="noStrike">
+        <a:defRPr sz="1400" b="0" i="0" u="none" strike="noStrike" cap="none">
           <a:solidFill>
             <a:srgbClr val="000000"/>
           </a:solidFill>
@@ -5363,7 +5483,7 @@
           <a:sym typeface="Arial"/>
         </a:defRPr>
       </a:lvl8pPr>
-      <a:lvl9pPr lvl="8" marR="0" rtl="0" algn="l">
+      <a:lvl9pPr marR="0" lvl="8" algn="l" rtl="0">
         <a:lnSpc>
           <a:spcPct val="100000"/>
         </a:lnSpc>
@@ -5377,7 +5497,7 @@
           <a:srgbClr val="000000"/>
         </a:buClr>
         <a:buFont typeface="Arial"/>
-        <a:defRPr b="0" i="0" sz="1400" u="none" cap="none" strike="noStrike">
+        <a:defRPr sz="1400" b="0" i="0" u="none" strike="noStrike" cap="none">
           <a:solidFill>
             <a:srgbClr val="000000"/>
           </a:solidFill>
@@ -5393,11 +5513,11 @@
 </file>
 
 <file path=ppt/slides/slide1.xml><?xml version="1.0" encoding="utf-8"?>
-<p:sld xmlns:a="http://schemas.openxmlformats.org/drawingml/2006/main" xmlns:r="http://schemas.openxmlformats.org/officeDocument/2006/relationships" xmlns:mc="http://schemas.openxmlformats.org/markup-compatibility/2006" xmlns:mv="urn:schemas-microsoft-com:mac:vml" xmlns:p="http://schemas.openxmlformats.org/presentationml/2006/main" xmlns:c="http://schemas.openxmlformats.org/drawingml/2006/chart" xmlns:dgm="http://schemas.openxmlformats.org/drawingml/2006/diagram" xmlns:o="urn:schemas-microsoft-com:office:office" xmlns:v="urn:schemas-microsoft-com:vml" xmlns:pvml="urn:schemas-microsoft-com:office:powerpoint" xmlns:com="http://schemas.openxmlformats.org/drawingml/2006/compatibility" xmlns:p14="http://schemas.microsoft.com/office/powerpoint/2010/main" xmlns:p15="http://schemas.microsoft.com/office/powerpoint/2012/main">
+<p:sld xmlns:a="http://schemas.openxmlformats.org/drawingml/2006/main" xmlns:r="http://schemas.openxmlformats.org/officeDocument/2006/relationships" xmlns:p="http://schemas.openxmlformats.org/presentationml/2006/main">
   <p:cSld>
     <p:spTree>
       <p:nvGrpSpPr>
-        <p:cNvPr id="53" name="Shape 53"/>
+        <p:cNvPr id="1" name="Shape 53"/>
         <p:cNvGrpSpPr/>
         <p:nvPr/>
       </p:nvGrpSpPr>
@@ -5409,1108 +5529,36 @@
           <a:chExt cx="0" cy="0"/>
         </a:xfrm>
       </p:grpSpPr>
-      <p:sp>
-        <p:nvSpPr>
-          <p:cNvPr id="54" name="Google Shape;54;p13"/>
-          <p:cNvSpPr txBox="1"/>
+      <p:pic>
+        <p:nvPicPr>
+          <p:cNvPr id="3" name="Picture 2">
+            <a:extLst>
+              <a:ext uri="{FF2B5EF4-FFF2-40B4-BE49-F238E27FC236}">
+                <a16:creationId xmlns:a16="http://schemas.microsoft.com/office/drawing/2014/main" id="{9631A802-558F-45B2-9A54-ACDE811319B5}"/>
+              </a:ext>
+            </a:extLst>
+          </p:cNvPr>
+          <p:cNvPicPr>
+            <a:picLocks noChangeAspect="1"/>
+          </p:cNvPicPr>
           <p:nvPr/>
-        </p:nvSpPr>
+        </p:nvPicPr>
+        <p:blipFill>
+          <a:blip r:embed="rId3"/>
+          <a:stretch>
+            <a:fillRect/>
+          </a:stretch>
+        </p:blipFill>
         <p:spPr>
           <a:xfrm>
-            <a:off x="464025" y="407725"/>
-            <a:ext cx="2033700" cy="1019400"/>
+            <a:off x="1539786" y="380318"/>
+            <a:ext cx="6540836" cy="4705592"/>
           </a:xfrm>
           <a:prstGeom prst="rect">
             <a:avLst/>
           </a:prstGeom>
-          <a:noFill/>
-          <a:ln cap="flat" cmpd="sng" w="28575">
-            <a:solidFill>
-              <a:srgbClr val="000000"/>
-            </a:solidFill>
-            <a:prstDash val="solid"/>
-            <a:round/>
-            <a:headEnd len="sm" w="sm" type="none"/>
-            <a:tailEnd len="sm" w="sm" type="none"/>
-          </a:ln>
         </p:spPr>
-        <p:txBody>
-          <a:bodyPr anchorCtr="0" anchor="t" bIns="91425" lIns="91425" spcFirstLastPara="1" rIns="91425" wrap="square" tIns="91425">
-            <a:noAutofit/>
-          </a:bodyPr>
-          <a:lstStyle/>
-          <a:p>
-            <a:pPr indent="0" lvl="0" marL="0" rtl="0" algn="ctr">
-              <a:spcBef>
-                <a:spcPts val="0"/>
-              </a:spcBef>
-              <a:spcAft>
-                <a:spcPts val="0"/>
-              </a:spcAft>
-              <a:buNone/>
-            </a:pPr>
-            <a:r>
-              <a:rPr lang="en" sz="1800"/>
-              <a:t>&lt;&lt;Comparable&gt;&gt;</a:t>
-            </a:r>
-            <a:endParaRPr sz="1800"/>
-          </a:p>
-          <a:p>
-            <a:pPr indent="0" lvl="0" marL="0" rtl="0" algn="ctr">
-              <a:spcBef>
-                <a:spcPts val="0"/>
-              </a:spcBef>
-              <a:spcAft>
-                <a:spcPts val="0"/>
-              </a:spcAft>
-              <a:buNone/>
-            </a:pPr>
-            <a:r>
-              <a:rPr lang="en" sz="1800"/>
-              <a:t>&lt;&lt;Serializable&gt;&gt;</a:t>
-            </a:r>
-            <a:endParaRPr sz="1800"/>
-          </a:p>
-          <a:p>
-            <a:pPr indent="0" lvl="0" marL="0" rtl="0" algn="ctr">
-              <a:spcBef>
-                <a:spcPts val="0"/>
-              </a:spcBef>
-              <a:spcAft>
-                <a:spcPts val="0"/>
-              </a:spcAft>
-              <a:buNone/>
-            </a:pPr>
-            <a:r>
-              <a:rPr lang="en" sz="1800"/>
-              <a:t>Event</a:t>
-            </a:r>
-            <a:endParaRPr sz="1800"/>
-          </a:p>
-        </p:txBody>
-      </p:sp>
-      <p:sp>
-        <p:nvSpPr>
-          <p:cNvPr id="55" name="Google Shape;55;p13"/>
-          <p:cNvSpPr txBox="1"/>
-          <p:nvPr/>
-        </p:nvSpPr>
-        <p:spPr>
-          <a:xfrm>
-            <a:off x="6192875" y="407725"/>
-            <a:ext cx="1766700" cy="1019400"/>
-          </a:xfrm>
-          <a:prstGeom prst="rect">
-            <a:avLst/>
-          </a:prstGeom>
-          <a:noFill/>
-          <a:ln cap="flat" cmpd="sng" w="28575">
-            <a:solidFill>
-              <a:srgbClr val="000000"/>
-            </a:solidFill>
-            <a:prstDash val="solid"/>
-            <a:round/>
-            <a:headEnd len="sm" w="sm" type="none"/>
-            <a:tailEnd len="sm" w="sm" type="none"/>
-          </a:ln>
-        </p:spPr>
-        <p:txBody>
-          <a:bodyPr anchorCtr="0" anchor="t" bIns="91425" lIns="91425" spcFirstLastPara="1" rIns="91425" wrap="square" tIns="91425">
-            <a:noAutofit/>
-          </a:bodyPr>
-          <a:lstStyle/>
-          <a:p>
-            <a:pPr indent="0" lvl="0" marL="0" rtl="0" algn="ctr">
-              <a:spcBef>
-                <a:spcPts val="0"/>
-              </a:spcBef>
-              <a:spcAft>
-                <a:spcPts val="0"/>
-              </a:spcAft>
-              <a:buNone/>
-            </a:pPr>
-            <a:r>
-              <a:rPr lang="en" sz="1800"/>
-              <a:t>Venue</a:t>
-            </a:r>
-            <a:endParaRPr sz="1800"/>
-          </a:p>
-        </p:txBody>
-      </p:sp>
-      <p:cxnSp>
-        <p:nvCxnSpPr>
-          <p:cNvPr id="56" name="Google Shape;56;p13"/>
-          <p:cNvCxnSpPr>
-            <a:stCxn id="54" idx="3"/>
-            <a:endCxn id="55" idx="1"/>
-          </p:cNvCxnSpPr>
-          <p:nvPr/>
-        </p:nvCxnSpPr>
-        <p:spPr>
-          <a:xfrm>
-            <a:off x="2497725" y="917425"/>
-            <a:ext cx="3695100" cy="0"/>
-          </a:xfrm>
-          <a:prstGeom prst="straightConnector1">
-            <a:avLst/>
-          </a:prstGeom>
-          <a:noFill/>
-          <a:ln cap="flat" cmpd="sng" w="28575">
-            <a:solidFill>
-              <a:schemeClr val="dk2"/>
-            </a:solidFill>
-            <a:prstDash val="solid"/>
-            <a:round/>
-            <a:headEnd len="med" w="med" type="none"/>
-            <a:tailEnd len="med" w="med" type="none"/>
-          </a:ln>
-        </p:spPr>
-      </p:cxnSp>
-      <p:sp>
-        <p:nvSpPr>
-          <p:cNvPr id="57" name="Google Shape;57;p13"/>
-          <p:cNvSpPr txBox="1"/>
-          <p:nvPr/>
-        </p:nvSpPr>
-        <p:spPr>
-          <a:xfrm>
-            <a:off x="2909850" y="627325"/>
-            <a:ext cx="1349100" cy="439200"/>
-          </a:xfrm>
-          <a:prstGeom prst="rect">
-            <a:avLst/>
-          </a:prstGeom>
-          <a:noFill/>
-          <a:ln>
-            <a:noFill/>
-          </a:ln>
-        </p:spPr>
-        <p:txBody>
-          <a:bodyPr anchorCtr="0" anchor="t" bIns="91425" lIns="91425" spcFirstLastPara="1" rIns="91425" wrap="square" tIns="91425">
-            <a:noAutofit/>
-          </a:bodyPr>
-          <a:lstStyle/>
-          <a:p>
-            <a:pPr indent="0" lvl="0" marL="0" rtl="0" algn="l">
-              <a:spcBef>
-                <a:spcPts val="0"/>
-              </a:spcBef>
-              <a:spcAft>
-                <a:spcPts val="0"/>
-              </a:spcAft>
-              <a:buNone/>
-            </a:pPr>
-            <a:r>
-              <a:rPr lang="en"/>
-              <a:t>Takes place at</a:t>
-            </a:r>
-            <a:endParaRPr/>
-          </a:p>
-        </p:txBody>
-      </p:sp>
-      <p:sp>
-        <p:nvSpPr>
-          <p:cNvPr id="58" name="Google Shape;58;p13"/>
-          <p:cNvSpPr/>
-          <p:nvPr/>
-        </p:nvSpPr>
-        <p:spPr>
-          <a:xfrm>
-            <a:off x="4258950" y="744925"/>
-            <a:ext cx="275700" cy="172500"/>
-          </a:xfrm>
-          <a:prstGeom prst="rightArrow">
-            <a:avLst>
-              <a:gd fmla="val 50000" name="adj1"/>
-              <a:gd fmla="val 50000" name="adj2"/>
-            </a:avLst>
-          </a:prstGeom>
-          <a:solidFill>
-            <a:srgbClr val="000000"/>
-          </a:solidFill>
-          <a:ln cap="flat" cmpd="sng" w="9525">
-            <a:solidFill>
-              <a:schemeClr val="dk2"/>
-            </a:solidFill>
-            <a:prstDash val="solid"/>
-            <a:round/>
-            <a:headEnd len="sm" w="sm" type="none"/>
-            <a:tailEnd len="sm" w="sm" type="none"/>
-          </a:ln>
-        </p:spPr>
-        <p:txBody>
-          <a:bodyPr anchorCtr="0" anchor="ctr" bIns="91425" lIns="91425" spcFirstLastPara="1" rIns="91425" wrap="square" tIns="91425">
-            <a:noAutofit/>
-          </a:bodyPr>
-          <a:lstStyle/>
-          <a:p>
-            <a:pPr indent="0" lvl="0" marL="0" rtl="0" algn="l">
-              <a:spcBef>
-                <a:spcPts val="0"/>
-              </a:spcBef>
-              <a:spcAft>
-                <a:spcPts val="0"/>
-              </a:spcAft>
-              <a:buNone/>
-            </a:pPr>
-            <a:r>
-              <a:t/>
-            </a:r>
-            <a:endParaRPr/>
-          </a:p>
-        </p:txBody>
-      </p:sp>
-      <p:sp>
-        <p:nvSpPr>
-          <p:cNvPr id="59" name="Google Shape;59;p13"/>
-          <p:cNvSpPr txBox="1"/>
-          <p:nvPr/>
-        </p:nvSpPr>
-        <p:spPr>
-          <a:xfrm>
-            <a:off x="464025" y="2062050"/>
-            <a:ext cx="1891200" cy="713400"/>
-          </a:xfrm>
-          <a:prstGeom prst="rect">
-            <a:avLst/>
-          </a:prstGeom>
-          <a:noFill/>
-          <a:ln cap="flat" cmpd="sng" w="28575">
-            <a:solidFill>
-              <a:srgbClr val="000000"/>
-            </a:solidFill>
-            <a:prstDash val="solid"/>
-            <a:round/>
-            <a:headEnd len="sm" w="sm" type="none"/>
-            <a:tailEnd len="sm" w="sm" type="none"/>
-          </a:ln>
-        </p:spPr>
-        <p:txBody>
-          <a:bodyPr anchorCtr="0" anchor="t" bIns="91425" lIns="91425" spcFirstLastPara="1" rIns="91425" wrap="square" tIns="91425">
-            <a:noAutofit/>
-          </a:bodyPr>
-          <a:lstStyle/>
-          <a:p>
-            <a:pPr indent="0" lvl="0" marL="0" rtl="0" algn="ctr">
-              <a:spcBef>
-                <a:spcPts val="0"/>
-              </a:spcBef>
-              <a:spcAft>
-                <a:spcPts val="0"/>
-              </a:spcAft>
-              <a:buClr>
-                <a:schemeClr val="dk1"/>
-              </a:buClr>
-              <a:buSzPts val="1100"/>
-              <a:buFont typeface="Arial"/>
-              <a:buNone/>
-            </a:pPr>
-            <a:r>
-              <a:rPr lang="en" sz="1800">
-                <a:solidFill>
-                  <a:schemeClr val="dk1"/>
-                </a:solidFill>
-              </a:rPr>
-              <a:t>Event.csv </a:t>
-            </a:r>
-            <a:endParaRPr sz="1800"/>
-          </a:p>
-        </p:txBody>
-      </p:sp>
-      <p:sp>
-        <p:nvSpPr>
-          <p:cNvPr id="60" name="Google Shape;60;p13"/>
-          <p:cNvSpPr txBox="1"/>
-          <p:nvPr/>
-        </p:nvSpPr>
-        <p:spPr>
-          <a:xfrm>
-            <a:off x="5973950" y="2062050"/>
-            <a:ext cx="1891200" cy="713400"/>
-          </a:xfrm>
-          <a:prstGeom prst="rect">
-            <a:avLst/>
-          </a:prstGeom>
-          <a:noFill/>
-          <a:ln cap="flat" cmpd="sng" w="28575">
-            <a:solidFill>
-              <a:srgbClr val="000000"/>
-            </a:solidFill>
-            <a:prstDash val="solid"/>
-            <a:round/>
-            <a:headEnd len="sm" w="sm" type="none"/>
-            <a:tailEnd len="sm" w="sm" type="none"/>
-          </a:ln>
-        </p:spPr>
-        <p:txBody>
-          <a:bodyPr anchorCtr="0" anchor="t" bIns="91425" lIns="91425" spcFirstLastPara="1" rIns="91425" wrap="square" tIns="91425">
-            <a:noAutofit/>
-          </a:bodyPr>
-          <a:lstStyle/>
-          <a:p>
-            <a:pPr indent="0" lvl="0" marL="0" rtl="0" algn="ctr">
-              <a:spcBef>
-                <a:spcPts val="0"/>
-              </a:spcBef>
-              <a:spcAft>
-                <a:spcPts val="0"/>
-              </a:spcAft>
-              <a:buNone/>
-            </a:pPr>
-            <a:r>
-              <a:rPr lang="en" sz="1800">
-                <a:solidFill>
-                  <a:schemeClr val="dk1"/>
-                </a:solidFill>
-              </a:rPr>
-              <a:t>EventTreeSet</a:t>
-            </a:r>
-            <a:endParaRPr sz="1800"/>
-          </a:p>
-        </p:txBody>
-      </p:sp>
-      <p:cxnSp>
-        <p:nvCxnSpPr>
-          <p:cNvPr id="61" name="Google Shape;61;p13"/>
-          <p:cNvCxnSpPr>
-            <a:stCxn id="59" idx="3"/>
-            <a:endCxn id="60" idx="1"/>
-          </p:cNvCxnSpPr>
-          <p:nvPr/>
-        </p:nvCxnSpPr>
-        <p:spPr>
-          <a:xfrm>
-            <a:off x="2355225" y="2418750"/>
-            <a:ext cx="3618600" cy="0"/>
-          </a:xfrm>
-          <a:prstGeom prst="straightConnector1">
-            <a:avLst/>
-          </a:prstGeom>
-          <a:noFill/>
-          <a:ln cap="flat" cmpd="sng" w="28575">
-            <a:solidFill>
-              <a:schemeClr val="dk2"/>
-            </a:solidFill>
-            <a:prstDash val="solid"/>
-            <a:round/>
-            <a:headEnd len="med" w="med" type="none"/>
-            <a:tailEnd len="med" w="med" type="none"/>
-          </a:ln>
-        </p:spPr>
-      </p:cxnSp>
-      <p:sp>
-        <p:nvSpPr>
-          <p:cNvPr id="62" name="Google Shape;62;p13"/>
-          <p:cNvSpPr txBox="1"/>
-          <p:nvPr/>
-        </p:nvSpPr>
-        <p:spPr>
-          <a:xfrm>
-            <a:off x="3494486" y="2477518"/>
-            <a:ext cx="1254600" cy="307200"/>
-          </a:xfrm>
-          <a:prstGeom prst="rect">
-            <a:avLst/>
-          </a:prstGeom>
-          <a:noFill/>
-          <a:ln>
-            <a:noFill/>
-          </a:ln>
-        </p:spPr>
-        <p:txBody>
-          <a:bodyPr anchorCtr="0" anchor="t" bIns="91425" lIns="91425" spcFirstLastPara="1" rIns="91425" wrap="square" tIns="91425">
-            <a:noAutofit/>
-          </a:bodyPr>
-          <a:lstStyle/>
-          <a:p>
-            <a:pPr indent="0" lvl="0" marL="0" rtl="0" algn="l">
-              <a:spcBef>
-                <a:spcPts val="0"/>
-              </a:spcBef>
-              <a:spcAft>
-                <a:spcPts val="0"/>
-              </a:spcAft>
-              <a:buNone/>
-            </a:pPr>
-            <a:r>
-              <a:rPr lang="en"/>
-              <a:t>Reads from</a:t>
-            </a:r>
-            <a:endParaRPr/>
-          </a:p>
-        </p:txBody>
-      </p:sp>
-      <p:sp>
-        <p:nvSpPr>
-          <p:cNvPr id="63" name="Google Shape;63;p13"/>
-          <p:cNvSpPr/>
-          <p:nvPr/>
-        </p:nvSpPr>
-        <p:spPr>
-          <a:xfrm rot="10800000">
-            <a:off x="3008334" y="2600473"/>
-            <a:ext cx="269400" cy="214200"/>
-          </a:xfrm>
-          <a:prstGeom prst="rightArrow">
-            <a:avLst>
-              <a:gd fmla="val 50000" name="adj1"/>
-              <a:gd fmla="val 50000" name="adj2"/>
-            </a:avLst>
-          </a:prstGeom>
-          <a:solidFill>
-            <a:srgbClr val="000000"/>
-          </a:solidFill>
-          <a:ln cap="flat" cmpd="sng" w="9525">
-            <a:solidFill>
-              <a:schemeClr val="dk2"/>
-            </a:solidFill>
-            <a:prstDash val="solid"/>
-            <a:round/>
-            <a:headEnd len="sm" w="sm" type="none"/>
-            <a:tailEnd len="sm" w="sm" type="none"/>
-          </a:ln>
-        </p:spPr>
-        <p:txBody>
-          <a:bodyPr anchorCtr="0" anchor="ctr" bIns="91425" lIns="91425" spcFirstLastPara="1" rIns="91425" wrap="square" tIns="91425">
-            <a:noAutofit/>
-          </a:bodyPr>
-          <a:lstStyle/>
-          <a:p>
-            <a:pPr indent="0" lvl="0" marL="0" rtl="0" algn="l">
-              <a:spcBef>
-                <a:spcPts val="0"/>
-              </a:spcBef>
-              <a:spcAft>
-                <a:spcPts val="0"/>
-              </a:spcAft>
-              <a:buNone/>
-            </a:pPr>
-            <a:r>
-              <a:t/>
-            </a:r>
-            <a:endParaRPr/>
-          </a:p>
-        </p:txBody>
-      </p:sp>
-      <p:sp>
-        <p:nvSpPr>
-          <p:cNvPr id="64" name="Google Shape;64;p13"/>
-          <p:cNvSpPr txBox="1"/>
-          <p:nvPr/>
-        </p:nvSpPr>
-        <p:spPr>
-          <a:xfrm>
-            <a:off x="290400" y="3852977"/>
-            <a:ext cx="1935600" cy="722700"/>
-          </a:xfrm>
-          <a:prstGeom prst="rect">
-            <a:avLst/>
-          </a:prstGeom>
-          <a:noFill/>
-          <a:ln cap="flat" cmpd="sng" w="28575">
-            <a:solidFill>
-              <a:srgbClr val="000000"/>
-            </a:solidFill>
-            <a:prstDash val="solid"/>
-            <a:round/>
-            <a:headEnd len="sm" w="sm" type="none"/>
-            <a:tailEnd len="sm" w="sm" type="none"/>
-          </a:ln>
-        </p:spPr>
-        <p:txBody>
-          <a:bodyPr anchorCtr="0" anchor="t" bIns="91425" lIns="91425" spcFirstLastPara="1" rIns="91425" wrap="square" tIns="91425">
-            <a:noAutofit/>
-          </a:bodyPr>
-          <a:lstStyle/>
-          <a:p>
-            <a:pPr indent="0" lvl="0" marL="0" rtl="0" algn="ctr">
-              <a:spcBef>
-                <a:spcPts val="0"/>
-              </a:spcBef>
-              <a:spcAft>
-                <a:spcPts val="0"/>
-              </a:spcAft>
-              <a:buNone/>
-            </a:pPr>
-            <a:r>
-              <a:rPr lang="en" sz="1800"/>
-              <a:t>SerialRead</a:t>
-            </a:r>
-            <a:endParaRPr sz="1800"/>
-          </a:p>
-        </p:txBody>
-      </p:sp>
-      <p:sp>
-        <p:nvSpPr>
-          <p:cNvPr id="65" name="Google Shape;65;p13"/>
-          <p:cNvSpPr txBox="1"/>
-          <p:nvPr/>
-        </p:nvSpPr>
-        <p:spPr>
-          <a:xfrm>
-            <a:off x="5929547" y="3852977"/>
-            <a:ext cx="1935600" cy="722700"/>
-          </a:xfrm>
-          <a:prstGeom prst="rect">
-            <a:avLst/>
-          </a:prstGeom>
-          <a:noFill/>
-          <a:ln cap="flat" cmpd="sng" w="28575">
-            <a:solidFill>
-              <a:srgbClr val="000000"/>
-            </a:solidFill>
-            <a:prstDash val="solid"/>
-            <a:round/>
-            <a:headEnd len="sm" w="sm" type="none"/>
-            <a:tailEnd len="sm" w="sm" type="none"/>
-          </a:ln>
-        </p:spPr>
-        <p:txBody>
-          <a:bodyPr anchorCtr="0" anchor="t" bIns="91425" lIns="91425" spcFirstLastPara="1" rIns="91425" wrap="square" tIns="91425">
-            <a:noAutofit/>
-          </a:bodyPr>
-          <a:lstStyle/>
-          <a:p>
-            <a:pPr indent="0" lvl="0" marL="0" rtl="0" algn="ctr">
-              <a:spcBef>
-                <a:spcPts val="0"/>
-              </a:spcBef>
-              <a:spcAft>
-                <a:spcPts val="0"/>
-              </a:spcAft>
-              <a:buNone/>
-            </a:pPr>
-            <a:r>
-              <a:rPr lang="en" sz="1800"/>
-              <a:t>Event.ser</a:t>
-            </a:r>
-            <a:endParaRPr sz="1800"/>
-          </a:p>
-        </p:txBody>
-      </p:sp>
-      <p:cxnSp>
-        <p:nvCxnSpPr>
-          <p:cNvPr id="66" name="Google Shape;66;p13"/>
-          <p:cNvCxnSpPr>
-            <a:stCxn id="64" idx="3"/>
-            <a:endCxn id="65" idx="1"/>
-          </p:cNvCxnSpPr>
-          <p:nvPr/>
-        </p:nvCxnSpPr>
-        <p:spPr>
-          <a:xfrm>
-            <a:off x="2226000" y="4214327"/>
-            <a:ext cx="3703500" cy="0"/>
-          </a:xfrm>
-          <a:prstGeom prst="straightConnector1">
-            <a:avLst/>
-          </a:prstGeom>
-          <a:noFill/>
-          <a:ln cap="flat" cmpd="sng" w="28575">
-            <a:solidFill>
-              <a:schemeClr val="dk2"/>
-            </a:solidFill>
-            <a:prstDash val="solid"/>
-            <a:round/>
-            <a:headEnd len="med" w="med" type="none"/>
-            <a:tailEnd len="med" w="med" type="none"/>
-          </a:ln>
-        </p:spPr>
-      </p:cxnSp>
-      <p:sp>
-        <p:nvSpPr>
-          <p:cNvPr id="67" name="Google Shape;67;p13"/>
-          <p:cNvSpPr txBox="1"/>
-          <p:nvPr/>
-        </p:nvSpPr>
-        <p:spPr>
-          <a:xfrm>
-            <a:off x="3295294" y="4264521"/>
-            <a:ext cx="1284000" cy="311100"/>
-          </a:xfrm>
-          <a:prstGeom prst="rect">
-            <a:avLst/>
-          </a:prstGeom>
-          <a:noFill/>
-          <a:ln>
-            <a:noFill/>
-          </a:ln>
-        </p:spPr>
-        <p:txBody>
-          <a:bodyPr anchorCtr="0" anchor="t" bIns="91425" lIns="91425" spcFirstLastPara="1" rIns="91425" wrap="square" tIns="91425">
-            <a:noAutofit/>
-          </a:bodyPr>
-          <a:lstStyle/>
-          <a:p>
-            <a:pPr indent="0" lvl="0" marL="0" rtl="0" algn="l">
-              <a:spcBef>
-                <a:spcPts val="0"/>
-              </a:spcBef>
-              <a:spcAft>
-                <a:spcPts val="0"/>
-              </a:spcAft>
-              <a:buNone/>
-            </a:pPr>
-            <a:r>
-              <a:rPr lang="en"/>
-              <a:t>Reads from</a:t>
-            </a:r>
-            <a:endParaRPr/>
-          </a:p>
-        </p:txBody>
-      </p:sp>
-      <p:sp>
-        <p:nvSpPr>
-          <p:cNvPr id="68" name="Google Shape;68;p13"/>
-          <p:cNvSpPr/>
-          <p:nvPr/>
-        </p:nvSpPr>
-        <p:spPr>
-          <a:xfrm>
-            <a:off x="4572052" y="4358817"/>
-            <a:ext cx="275700" cy="216900"/>
-          </a:xfrm>
-          <a:prstGeom prst="rightArrow">
-            <a:avLst>
-              <a:gd fmla="val 50000" name="adj1"/>
-              <a:gd fmla="val 50000" name="adj2"/>
-            </a:avLst>
-          </a:prstGeom>
-          <a:solidFill>
-            <a:srgbClr val="000000"/>
-          </a:solidFill>
-          <a:ln cap="flat" cmpd="sng" w="9525">
-            <a:solidFill>
-              <a:schemeClr val="dk2"/>
-            </a:solidFill>
-            <a:prstDash val="solid"/>
-            <a:round/>
-            <a:headEnd len="sm" w="sm" type="none"/>
-            <a:tailEnd len="sm" w="sm" type="none"/>
-          </a:ln>
-        </p:spPr>
-        <p:txBody>
-          <a:bodyPr anchorCtr="0" anchor="ctr" bIns="91425" lIns="91425" spcFirstLastPara="1" rIns="91425" wrap="square" tIns="91425">
-            <a:noAutofit/>
-          </a:bodyPr>
-          <a:lstStyle/>
-          <a:p>
-            <a:pPr indent="0" lvl="0" marL="0" rtl="0" algn="l">
-              <a:spcBef>
-                <a:spcPts val="0"/>
-              </a:spcBef>
-              <a:spcAft>
-                <a:spcPts val="0"/>
-              </a:spcAft>
-              <a:buNone/>
-            </a:pPr>
-            <a:r>
-              <a:t/>
-            </a:r>
-            <a:endParaRPr/>
-          </a:p>
-        </p:txBody>
-      </p:sp>
-      <p:sp>
-        <p:nvSpPr>
-          <p:cNvPr id="69" name="Google Shape;69;p13"/>
-          <p:cNvSpPr txBox="1"/>
-          <p:nvPr/>
-        </p:nvSpPr>
-        <p:spPr>
-          <a:xfrm>
-            <a:off x="2625325" y="407200"/>
-            <a:ext cx="578700" cy="214200"/>
-          </a:xfrm>
-          <a:prstGeom prst="rect">
-            <a:avLst/>
-          </a:prstGeom>
-          <a:noFill/>
-          <a:ln>
-            <a:noFill/>
-          </a:ln>
-        </p:spPr>
-        <p:txBody>
-          <a:bodyPr anchorCtr="0" anchor="t" bIns="91425" lIns="91425" spcFirstLastPara="1" rIns="91425" wrap="square" tIns="91425">
-            <a:noAutofit/>
-          </a:bodyPr>
-          <a:lstStyle/>
-          <a:p>
-            <a:pPr indent="0" lvl="0" marL="0" rtl="0" algn="l">
-              <a:spcBef>
-                <a:spcPts val="0"/>
-              </a:spcBef>
-              <a:spcAft>
-                <a:spcPts val="0"/>
-              </a:spcAft>
-              <a:buNone/>
-            </a:pPr>
-            <a:r>
-              <a:rPr lang="en"/>
-              <a:t>1…*</a:t>
-            </a:r>
-            <a:endParaRPr/>
-          </a:p>
-        </p:txBody>
-      </p:sp>
-      <p:sp>
-        <p:nvSpPr>
-          <p:cNvPr id="70" name="Google Shape;70;p13"/>
-          <p:cNvSpPr txBox="1"/>
-          <p:nvPr/>
-        </p:nvSpPr>
-        <p:spPr>
-          <a:xfrm>
-            <a:off x="5549875" y="428050"/>
-            <a:ext cx="578700" cy="172500"/>
-          </a:xfrm>
-          <a:prstGeom prst="rect">
-            <a:avLst/>
-          </a:prstGeom>
-          <a:noFill/>
-          <a:ln>
-            <a:noFill/>
-          </a:ln>
-        </p:spPr>
-        <p:txBody>
-          <a:bodyPr anchorCtr="0" anchor="t" bIns="91425" lIns="91425" spcFirstLastPara="1" rIns="91425" wrap="square" tIns="91425">
-            <a:noAutofit/>
-          </a:bodyPr>
-          <a:lstStyle/>
-          <a:p>
-            <a:pPr indent="0" lvl="0" marL="0" rtl="0" algn="l">
-              <a:spcBef>
-                <a:spcPts val="0"/>
-              </a:spcBef>
-              <a:spcAft>
-                <a:spcPts val="0"/>
-              </a:spcAft>
-              <a:buNone/>
-            </a:pPr>
-            <a:r>
-              <a:rPr lang="en"/>
-              <a:t>1</a:t>
-            </a:r>
-            <a:endParaRPr/>
-          </a:p>
-        </p:txBody>
-      </p:sp>
-      <p:cxnSp>
-        <p:nvCxnSpPr>
-          <p:cNvPr id="71" name="Google Shape;71;p13"/>
-          <p:cNvCxnSpPr>
-            <a:stCxn id="55" idx="2"/>
-          </p:cNvCxnSpPr>
-          <p:nvPr/>
-        </p:nvCxnSpPr>
-        <p:spPr>
-          <a:xfrm>
-            <a:off x="7076225" y="1427125"/>
-            <a:ext cx="0" cy="634800"/>
-          </a:xfrm>
-          <a:prstGeom prst="straightConnector1">
-            <a:avLst/>
-          </a:prstGeom>
-          <a:noFill/>
-          <a:ln cap="flat" cmpd="sng" w="28575">
-            <a:solidFill>
-              <a:schemeClr val="dk2"/>
-            </a:solidFill>
-            <a:prstDash val="solid"/>
-            <a:round/>
-            <a:headEnd len="med" w="med" type="none"/>
-            <a:tailEnd len="med" w="med" type="none"/>
-          </a:ln>
-        </p:spPr>
-      </p:cxnSp>
-      <p:sp>
-        <p:nvSpPr>
-          <p:cNvPr id="72" name="Google Shape;72;p13"/>
-          <p:cNvSpPr txBox="1"/>
-          <p:nvPr/>
-        </p:nvSpPr>
-        <p:spPr>
-          <a:xfrm>
-            <a:off x="7076225" y="1427125"/>
-            <a:ext cx="578700" cy="172500"/>
-          </a:xfrm>
-          <a:prstGeom prst="rect">
-            <a:avLst/>
-          </a:prstGeom>
-          <a:noFill/>
-          <a:ln>
-            <a:noFill/>
-          </a:ln>
-        </p:spPr>
-        <p:txBody>
-          <a:bodyPr anchorCtr="0" anchor="t" bIns="91425" lIns="91425" spcFirstLastPara="1" rIns="91425" wrap="square" tIns="91425">
-            <a:noAutofit/>
-          </a:bodyPr>
-          <a:lstStyle/>
-          <a:p>
-            <a:pPr indent="0" lvl="0" marL="0" rtl="0" algn="l">
-              <a:spcBef>
-                <a:spcPts val="0"/>
-              </a:spcBef>
-              <a:spcAft>
-                <a:spcPts val="0"/>
-              </a:spcAft>
-              <a:buNone/>
-            </a:pPr>
-            <a:r>
-              <a:rPr lang="en"/>
-              <a:t>1</a:t>
-            </a:r>
-            <a:endParaRPr/>
-          </a:p>
-        </p:txBody>
-      </p:sp>
-      <p:sp>
-        <p:nvSpPr>
-          <p:cNvPr id="73" name="Google Shape;73;p13"/>
-          <p:cNvSpPr txBox="1"/>
-          <p:nvPr/>
-        </p:nvSpPr>
-        <p:spPr>
-          <a:xfrm>
-            <a:off x="7076225" y="1744588"/>
-            <a:ext cx="578700" cy="172500"/>
-          </a:xfrm>
-          <a:prstGeom prst="rect">
-            <a:avLst/>
-          </a:prstGeom>
-          <a:noFill/>
-          <a:ln>
-            <a:noFill/>
-          </a:ln>
-        </p:spPr>
-        <p:txBody>
-          <a:bodyPr anchorCtr="0" anchor="t" bIns="91425" lIns="91425" spcFirstLastPara="1" rIns="91425" wrap="square" tIns="91425">
-            <a:noAutofit/>
-          </a:bodyPr>
-          <a:lstStyle/>
-          <a:p>
-            <a:pPr indent="0" lvl="0" marL="0" rtl="0" algn="l">
-              <a:spcBef>
-                <a:spcPts val="0"/>
-              </a:spcBef>
-              <a:spcAft>
-                <a:spcPts val="0"/>
-              </a:spcAft>
-              <a:buNone/>
-            </a:pPr>
-            <a:r>
-              <a:rPr lang="en"/>
-              <a:t>1</a:t>
-            </a:r>
-            <a:endParaRPr/>
-          </a:p>
-        </p:txBody>
-      </p:sp>
-      <p:sp>
-        <p:nvSpPr>
-          <p:cNvPr id="74" name="Google Shape;74;p13"/>
-          <p:cNvSpPr/>
-          <p:nvPr/>
-        </p:nvSpPr>
-        <p:spPr>
-          <a:xfrm>
-            <a:off x="6011088" y="708475"/>
-            <a:ext cx="171450" cy="417900"/>
-          </a:xfrm>
-          <a:custGeom>
-            <a:rect b="b" l="l" r="r" t="t"/>
-            <a:pathLst>
-              <a:path extrusionOk="0" h="16716" w="6858">
-                <a:moveTo>
-                  <a:pt x="0" y="0"/>
-                </a:moveTo>
-                <a:lnTo>
-                  <a:pt x="0" y="16716"/>
-                </a:lnTo>
-                <a:lnTo>
-                  <a:pt x="6858" y="8143"/>
-                </a:lnTo>
-                <a:close/>
-              </a:path>
-            </a:pathLst>
-          </a:custGeom>
-          <a:solidFill>
-            <a:srgbClr val="000000"/>
-          </a:solidFill>
-          <a:ln cap="flat" cmpd="sng" w="9525">
-            <a:solidFill>
-              <a:schemeClr val="dk2"/>
-            </a:solidFill>
-            <a:prstDash val="solid"/>
-            <a:round/>
-            <a:headEnd len="med" w="med" type="none"/>
-            <a:tailEnd len="med" w="med" type="none"/>
-          </a:ln>
-        </p:spPr>
-      </p:sp>
-      <p:sp>
-        <p:nvSpPr>
-          <p:cNvPr id="75" name="Google Shape;75;p13"/>
-          <p:cNvSpPr/>
-          <p:nvPr/>
-        </p:nvSpPr>
-        <p:spPr>
-          <a:xfrm rot="10800000">
-            <a:off x="5829300" y="708475"/>
-            <a:ext cx="171450" cy="417900"/>
-          </a:xfrm>
-          <a:custGeom>
-            <a:rect b="b" l="l" r="r" t="t"/>
-            <a:pathLst>
-              <a:path extrusionOk="0" h="16716" w="6858">
-                <a:moveTo>
-                  <a:pt x="0" y="0"/>
-                </a:moveTo>
-                <a:lnTo>
-                  <a:pt x="0" y="16716"/>
-                </a:lnTo>
-                <a:lnTo>
-                  <a:pt x="6858" y="8143"/>
-                </a:lnTo>
-                <a:close/>
-              </a:path>
-            </a:pathLst>
-          </a:custGeom>
-          <a:solidFill>
-            <a:srgbClr val="000000"/>
-          </a:solidFill>
-          <a:ln cap="flat" cmpd="sng" w="9525">
-            <a:solidFill>
-              <a:schemeClr val="dk2"/>
-            </a:solidFill>
-            <a:prstDash val="solid"/>
-            <a:round/>
-            <a:headEnd len="med" w="med" type="none"/>
-            <a:tailEnd len="med" w="med" type="none"/>
-          </a:ln>
-        </p:spPr>
-      </p:sp>
-      <p:cxnSp>
-        <p:nvCxnSpPr>
-          <p:cNvPr id="76" name="Google Shape;76;p13"/>
-          <p:cNvCxnSpPr/>
-          <p:nvPr/>
-        </p:nvCxnSpPr>
-        <p:spPr>
-          <a:xfrm flipH="1">
-            <a:off x="7126100" y="2796775"/>
-            <a:ext cx="10500" cy="1071900"/>
-          </a:xfrm>
-          <a:prstGeom prst="straightConnector1">
-            <a:avLst/>
-          </a:prstGeom>
-          <a:noFill/>
-          <a:ln cap="flat" cmpd="sng" w="28575">
-            <a:solidFill>
-              <a:schemeClr val="dk2"/>
-            </a:solidFill>
-            <a:prstDash val="solid"/>
-            <a:round/>
-            <a:headEnd len="med" w="med" type="none"/>
-            <a:tailEnd len="med" w="med" type="none"/>
-          </a:ln>
-        </p:spPr>
-      </p:cxnSp>
-      <p:sp>
-        <p:nvSpPr>
-          <p:cNvPr id="77" name="Google Shape;77;p13"/>
-          <p:cNvSpPr txBox="1"/>
-          <p:nvPr/>
-        </p:nvSpPr>
-        <p:spPr>
-          <a:xfrm>
-            <a:off x="7136611" y="2920393"/>
-            <a:ext cx="1254600" cy="307200"/>
-          </a:xfrm>
-          <a:prstGeom prst="rect">
-            <a:avLst/>
-          </a:prstGeom>
-          <a:noFill/>
-          <a:ln>
-            <a:noFill/>
-          </a:ln>
-        </p:spPr>
-        <p:txBody>
-          <a:bodyPr anchorCtr="0" anchor="t" bIns="91425" lIns="91425" spcFirstLastPara="1" rIns="91425" wrap="square" tIns="91425">
-            <a:noAutofit/>
-          </a:bodyPr>
-          <a:lstStyle/>
-          <a:p>
-            <a:pPr indent="0" lvl="0" marL="0" rtl="0" algn="l">
-              <a:spcBef>
-                <a:spcPts val="0"/>
-              </a:spcBef>
-              <a:spcAft>
-                <a:spcPts val="0"/>
-              </a:spcAft>
-              <a:buNone/>
-            </a:pPr>
-            <a:r>
-              <a:rPr lang="en"/>
-              <a:t>Writes to</a:t>
-            </a:r>
-            <a:endParaRPr/>
-          </a:p>
-        </p:txBody>
-      </p:sp>
-      <p:sp>
-        <p:nvSpPr>
-          <p:cNvPr id="78" name="Google Shape;78;p13"/>
-          <p:cNvSpPr/>
-          <p:nvPr/>
-        </p:nvSpPr>
-        <p:spPr>
-          <a:xfrm rot="5400000">
-            <a:off x="7230884" y="3433185"/>
-            <a:ext cx="269400" cy="214200"/>
-          </a:xfrm>
-          <a:prstGeom prst="rightArrow">
-            <a:avLst>
-              <a:gd fmla="val 50000" name="adj1"/>
-              <a:gd fmla="val 50000" name="adj2"/>
-            </a:avLst>
-          </a:prstGeom>
-          <a:solidFill>
-            <a:srgbClr val="000000"/>
-          </a:solidFill>
-          <a:ln cap="flat" cmpd="sng" w="9525">
-            <a:solidFill>
-              <a:schemeClr val="dk2"/>
-            </a:solidFill>
-            <a:prstDash val="solid"/>
-            <a:round/>
-            <a:headEnd len="sm" w="sm" type="none"/>
-            <a:tailEnd len="sm" w="sm" type="none"/>
-          </a:ln>
-        </p:spPr>
-        <p:txBody>
-          <a:bodyPr anchorCtr="0" anchor="ctr" bIns="91425" lIns="91425" spcFirstLastPara="1" rIns="91425" wrap="square" tIns="91425">
-            <a:noAutofit/>
-          </a:bodyPr>
-          <a:lstStyle/>
-          <a:p>
-            <a:pPr indent="0" lvl="0" marL="0" rtl="0" algn="l">
-              <a:spcBef>
-                <a:spcPts val="0"/>
-              </a:spcBef>
-              <a:spcAft>
-                <a:spcPts val="0"/>
-              </a:spcAft>
-              <a:buNone/>
-            </a:pPr>
-            <a:r>
-              <a:t/>
-            </a:r>
-            <a:endParaRPr/>
-          </a:p>
-        </p:txBody>
-      </p:sp>
+      </p:pic>
     </p:spTree>
   </p:cSld>
   <p:clrMapOvr>
@@ -6520,7 +5568,7 @@
 </file>
 
 <file path=ppt/theme/theme1.xml><?xml version="1.0" encoding="utf-8"?>
-<a:theme xmlns:a="http://schemas.openxmlformats.org/drawingml/2006/main" xmlns:r="http://schemas.openxmlformats.org/officeDocument/2006/relationships" name="Simple Light">
+<a:theme xmlns:a="http://schemas.openxmlformats.org/drawingml/2006/main" name="Simple Light">
   <a:themeElements>
     <a:clrScheme name="Simple Light">
       <a:dk1>
@@ -6795,11 +5843,13 @@
       </a:bgFillStyleLst>
     </a:fmtScheme>
   </a:themeElements>
+  <a:objectDefaults/>
+  <a:extraClrSchemeLst/>
 </a:theme>
 </file>
 
 <file path=ppt/theme/theme2.xml><?xml version="1.0" encoding="utf-8"?>
-<a:theme xmlns:a="http://schemas.openxmlformats.org/drawingml/2006/main" xmlns:r="http://schemas.openxmlformats.org/officeDocument/2006/relationships">
+<a:theme xmlns:a="http://schemas.openxmlformats.org/drawingml/2006/main">
   <a:themeElements>
     <a:clrScheme name="Default">
       <a:dk1>
@@ -7074,5 +6124,7 @@
       </a:bgFillStyleLst>
     </a:fmtScheme>
   </a:themeElements>
+  <a:objectDefaults/>
+  <a:extraClrSchemeLst/>
 </a:theme>
 </file>